--- a/Maquettage d'un site vitrine.pptx
+++ b/Maquettage d'un site vitrine.pptx
@@ -16,7 +16,6 @@
     <p:sldId id="260" r:id="rId10"/>
     <p:sldId id="265" r:id="rId11"/>
     <p:sldId id="266" r:id="rId12"/>
-    <p:sldId id="267" r:id="rId13"/>
   </p:sldIdLst>
   <p:sldSz cx="12192000" cy="6858000"/>
   <p:notesSz cx="6858000" cy="9144000"/>
@@ -218,7 +217,7 @@
           <a:effectLst/>
           <a:extLst>
             <a:ext uri="{91240B29-F687-4f45-9708-019B960494DF}">
-              <a14:hiddenLine xmlns="" xmlns:a14="http://schemas.microsoft.com/office/drawing/2010/main" w="9525">
+              <a14:hiddenLine xmlns:a14="http://schemas.microsoft.com/office/drawing/2010/main" xmlns="" w="9525">
                 <a:solidFill>
                   <a:srgbClr val="000000"/>
                 </a:solidFill>
@@ -1728,7 +1727,7 @@
           <a:ln/>
           <a:extLst>
             <a:ext uri="{91240B29-F687-4f45-9708-019B960494DF}">
-              <a14:hiddenLine xmlns="" xmlns:a14="http://schemas.microsoft.com/office/drawing/2010/main" w="9525">
+              <a14:hiddenLine xmlns:a14="http://schemas.microsoft.com/office/drawing/2010/main" xmlns="" w="9525">
                 <a:solidFill>
                   <a:srgbClr val="000000"/>
                 </a:solidFill>
@@ -2000,7 +1999,7 @@
           <a:ln/>
           <a:extLst>
             <a:ext uri="{91240B29-F687-4f45-9708-019B960494DF}">
-              <a14:hiddenLine xmlns="" xmlns:a14="http://schemas.microsoft.com/office/drawing/2010/main" w="9525">
+              <a14:hiddenLine xmlns:a14="http://schemas.microsoft.com/office/drawing/2010/main" xmlns="" w="9525">
                 <a:solidFill>
                   <a:srgbClr val="000000"/>
                 </a:solidFill>
@@ -2280,7 +2279,7 @@
           <a:ln/>
           <a:extLst>
             <a:ext uri="{91240B29-F687-4f45-9708-019B960494DF}">
-              <a14:hiddenLine xmlns="" xmlns:a14="http://schemas.microsoft.com/office/drawing/2010/main" w="9525">
+              <a14:hiddenLine xmlns:a14="http://schemas.microsoft.com/office/drawing/2010/main" xmlns="" w="9525">
                 <a:solidFill>
                   <a:srgbClr val="000000"/>
                 </a:solidFill>
@@ -2900,7 +2899,7 @@
           <a:ln/>
           <a:extLst>
             <a:ext uri="{91240B29-F687-4f45-9708-019B960494DF}">
-              <a14:hiddenLine xmlns="" xmlns:a14="http://schemas.microsoft.com/office/drawing/2010/main" w="9525">
+              <a14:hiddenLine xmlns:a14="http://schemas.microsoft.com/office/drawing/2010/main" xmlns="" w="9525">
                 <a:solidFill>
                   <a:srgbClr val="000000"/>
                 </a:solidFill>
@@ -3236,7 +3235,7 @@
           <a:ln/>
           <a:extLst>
             <a:ext uri="{91240B29-F687-4f45-9708-019B960494DF}">
-              <a14:hiddenLine xmlns="" xmlns:a14="http://schemas.microsoft.com/office/drawing/2010/main" w="9525">
+              <a14:hiddenLine xmlns:a14="http://schemas.microsoft.com/office/drawing/2010/main" xmlns="" w="9525">
                 <a:solidFill>
                   <a:srgbClr val="000000"/>
                 </a:solidFill>
@@ -3710,7 +3709,7 @@
           <a:ln/>
           <a:extLst>
             <a:ext uri="{91240B29-F687-4f45-9708-019B960494DF}">
-              <a14:hiddenLine xmlns="" xmlns:a14="http://schemas.microsoft.com/office/drawing/2010/main" w="9525">
+              <a14:hiddenLine xmlns:a14="http://schemas.microsoft.com/office/drawing/2010/main" xmlns="" w="9525">
                 <a:solidFill>
                   <a:srgbClr val="000000"/>
                 </a:solidFill>
@@ -4133,7 +4132,7 @@
           <a:ln/>
           <a:extLst>
             <a:ext uri="{91240B29-F687-4f45-9708-019B960494DF}">
-              <a14:hiddenLine xmlns="" xmlns:a14="http://schemas.microsoft.com/office/drawing/2010/main" w="9525">
+              <a14:hiddenLine xmlns:a14="http://schemas.microsoft.com/office/drawing/2010/main" xmlns="" w="9525">
                 <a:solidFill>
                   <a:srgbClr val="000000"/>
                 </a:solidFill>
@@ -5757,7 +5756,7 @@
           <a:effectLst/>
           <a:extLst>
             <a:ext uri="{91240B29-F687-4f45-9708-019B960494DF}">
-              <a14:hiddenLine xmlns:a16="http://schemas.microsoft.com/office/drawing/2014/main" xmlns:p14="http://schemas.microsoft.com/office/powerpoint/2010/main" xmlns:a14="http://schemas.microsoft.com/office/drawing/2010/main" xmlns="" w="9525">
+              <a14:hiddenLine xmlns="" xmlns:a14="http://schemas.microsoft.com/office/drawing/2010/main" xmlns:p14="http://schemas.microsoft.com/office/powerpoint/2010/main" xmlns:a16="http://schemas.microsoft.com/office/drawing/2014/main" w="9525">
                 <a:solidFill>
                   <a:srgbClr val="000000"/>
                 </a:solidFill>
@@ -6207,7 +6206,7 @@
 </p:sld>
 </file>
 
-<file path=ppt/slides/slide12.xml><?xml version="1.0" encoding="utf-8"?>
+<file path=ppt/slides/slide2.xml><?xml version="1.0" encoding="utf-8"?>
 <p:sld xmlns:a="http://schemas.openxmlformats.org/drawingml/2006/main" xmlns:r="http://schemas.openxmlformats.org/officeDocument/2006/relationships" xmlns:p="http://schemas.openxmlformats.org/presentationml/2006/main">
   <p:cSld>
     <p:bg>
@@ -6505,7 +6504,7 @@
           <a:effectLst/>
           <a:extLst>
             <a:ext uri="{91240B29-F687-4f45-9708-019B960494DF}">
-              <a14:hiddenLine xmlns:a16="http://schemas.microsoft.com/office/drawing/2014/main" xmlns:p14="http://schemas.microsoft.com/office/powerpoint/2010/main" xmlns:a14="http://schemas.microsoft.com/office/drawing/2010/main" xmlns="" w="9525">
+              <a14:hiddenLine xmlns="" xmlns:a14="http://schemas.microsoft.com/office/drawing/2010/main" xmlns:p14="http://schemas.microsoft.com/office/powerpoint/2010/main" xmlns:a16="http://schemas.microsoft.com/office/drawing/2014/main" w="9525">
                 <a:solidFill>
                   <a:srgbClr val="000000"/>
                 </a:solidFill>
@@ -6533,6 +6532,42 @@
       </p:sp>
       <p:sp>
         <p:nvSpPr>
+          <p:cNvPr id="2" name="Titre 1">
+            <a:extLst>
+              <a:ext uri="{FF2B5EF4-FFF2-40B4-BE49-F238E27FC236}">
+                <a16:creationId xmlns:a16="http://schemas.microsoft.com/office/drawing/2014/main" id="{6509ECF4-24A5-4498-B1B2-A6533913F495}"/>
+              </a:ext>
+            </a:extLst>
+          </p:cNvPr>
+          <p:cNvSpPr>
+            <a:spLocks noGrp="1"/>
+          </p:cNvSpPr>
+          <p:nvPr>
+            <p:ph type="title"/>
+          </p:nvPr>
+        </p:nvSpPr>
+        <p:spPr>
+          <a:xfrm>
+            <a:off x="451515" y="1734857"/>
+            <a:ext cx="3765483" cy="3388287"/>
+          </a:xfrm>
+        </p:spPr>
+        <p:txBody>
+          <a:bodyPr anchor="ctr">
+            <a:normAutofit/>
+          </a:bodyPr>
+          <a:lstStyle/>
+          <a:p>
+            <a:pPr fontAlgn="base"/>
+            <a:r>
+              <a:rPr lang="fr-FR" dirty="0"/>
+              <a:t>Qu’est-ce que le Zoning ?</a:t>
+            </a:r>
+          </a:p>
+        </p:txBody>
+      </p:sp>
+      <p:sp>
+        <p:nvSpPr>
           <p:cNvPr id="3" name="Espace réservé du contenu 2">
             <a:extLst>
               <a:ext uri="{FF2B5EF4-FFF2-40B4-BE49-F238E27FC236}">
@@ -6549,8 +6584,8 @@
         </p:nvSpPr>
         <p:spPr>
           <a:xfrm>
-            <a:off x="5397224" y="-207692"/>
-            <a:ext cx="6707781" cy="7273379"/>
+            <a:off x="5556552" y="134256"/>
+            <a:ext cx="6635448" cy="6589485"/>
           </a:xfrm>
           <a:effectLst/>
         </p:spPr>
@@ -6560,46 +6595,32 @@
           </a:bodyPr>
           <a:lstStyle/>
           <a:p>
-            <a:pPr fontAlgn="base">
-              <a:lnSpc>
-                <a:spcPct val="150000"/>
-              </a:lnSpc>
-            </a:pPr>
-            <a:endParaRPr lang="fr-FR" sz="2400" dirty="0"/>
-          </a:p>
-        </p:txBody>
-      </p:sp>
-      <p:sp>
-        <p:nvSpPr>
-          <p:cNvPr id="4" name="Rectangle 3">
-            <a:extLst>
-              <a:ext uri="{FF2B5EF4-FFF2-40B4-BE49-F238E27FC236}">
-                <a16:creationId xmlns:a16="http://schemas.microsoft.com/office/drawing/2014/main" id="{044D8EC0-52AF-4C3A-912E-A50EC9240D9D}"/>
-              </a:ext>
-            </a:extLst>
-          </p:cNvPr>
-          <p:cNvSpPr/>
-          <p:nvPr/>
-        </p:nvSpPr>
-        <p:spPr>
-          <a:xfrm>
-            <a:off x="185630" y="2874999"/>
-            <a:ext cx="4774298" cy="1107996"/>
-          </a:xfrm>
-          <a:prstGeom prst="rect">
-            <a:avLst/>
-          </a:prstGeom>
-        </p:spPr>
-        <p:txBody>
-          <a:bodyPr wrap="square">
-            <a:spAutoFit/>
-          </a:bodyPr>
-          <a:lstStyle/>
-          <a:p>
             <a:pPr fontAlgn="base"/>
             <a:r>
-              <a:rPr lang="fr-MA" sz="6600" b="1" dirty="0"/>
-              <a:t>conclusion</a:t>
+              <a:rPr lang="fr-FR" sz="2000" dirty="0"/>
+              <a:t>Le </a:t>
+            </a:r>
+            <a:r>
+              <a:rPr lang="fr-FR" sz="2000" b="1" dirty="0"/>
+              <a:t>zoning</a:t>
+            </a:r>
+            <a:r>
+              <a:rPr lang="fr-FR" sz="2000" dirty="0"/>
+              <a:t> est une schématisation grossière de ce que sera la future page web. On utilise des blocs pour déterminer où se trouveront les contenus et fonctionnalités. Cette étape a généralement lieu après la création d’une arborescence, il arrive quelquefois qu’elle soit réalisée en parallèle.</a:t>
+            </a:r>
+          </a:p>
+          <a:p>
+            <a:pPr fontAlgn="base"/>
+            <a:r>
+              <a:rPr lang="fr-FR" sz="2000" dirty="0"/>
+              <a:t>Définir l’organisation générale des pages est l’occasion de présenter une première approche au client ou décisionnaire. Celui-ci pourra alors valider ou réajuster les grands axes avant la réalisation des wireframes.</a:t>
+            </a:r>
+          </a:p>
+          <a:p>
+            <a:pPr fontAlgn="base"/>
+            <a:r>
+              <a:rPr lang="fr-FR" sz="2000" dirty="0"/>
+              <a:t>Les grandes zones de contenus et autres éléments doivent être cohérents sur la page. Il n’est pas rare que les souhaits initiaux soient inadaptés, par exemple une page d’accueil surchargée d’informations. C’est lors du zoning qu’est effectué ce premier débroussaillage.</a:t>
             </a:r>
           </a:p>
         </p:txBody>
@@ -6607,7 +6628,7 @@
     </p:spTree>
     <p:extLst>
       <p:ext uri="{BB962C8B-B14F-4D97-AF65-F5344CB8AC3E}">
-        <p14:creationId xmlns:p14="http://schemas.microsoft.com/office/powerpoint/2010/main" val="3631671215"/>
+        <p14:creationId xmlns:p14="http://schemas.microsoft.com/office/powerpoint/2010/main" val="1257536419"/>
       </p:ext>
     </p:extLst>
   </p:cSld>
@@ -6617,7 +6638,534 @@
 </p:sld>
 </file>
 
-<file path=ppt/slides/slide2.xml><?xml version="1.0" encoding="utf-8"?>
+<file path=ppt/slides/slide3.xml><?xml version="1.0" encoding="utf-8"?>
+<p:sld xmlns:a="http://schemas.openxmlformats.org/drawingml/2006/main" xmlns:r="http://schemas.openxmlformats.org/officeDocument/2006/relationships" xmlns:p="http://schemas.openxmlformats.org/presentationml/2006/main">
+  <p:cSld>
+    <p:bg>
+      <p:bgPr>
+        <a:solidFill>
+          <a:schemeClr val="bg2"/>
+        </a:solidFill>
+        <a:effectLst/>
+      </p:bgPr>
+    </p:bg>
+    <p:spTree>
+      <p:nvGrpSpPr>
+        <p:cNvPr id="1" name=""/>
+        <p:cNvGrpSpPr/>
+        <p:nvPr/>
+      </p:nvGrpSpPr>
+      <p:grpSpPr>
+        <a:xfrm>
+          <a:off x="0" y="0"/>
+          <a:ext cx="0" cy="0"/>
+          <a:chOff x="0" y="0"/>
+          <a:chExt cx="0" cy="0"/>
+        </a:xfrm>
+      </p:grpSpPr>
+      <p:sp>
+        <p:nvSpPr>
+          <p:cNvPr id="2" name="Titre 1">
+            <a:extLst>
+              <a:ext uri="{FF2B5EF4-FFF2-40B4-BE49-F238E27FC236}">
+                <a16:creationId xmlns:a16="http://schemas.microsoft.com/office/drawing/2014/main" id="{E0CD1573-54EA-4DF0-8084-DB3CE3EA7975}"/>
+              </a:ext>
+            </a:extLst>
+          </p:cNvPr>
+          <p:cNvSpPr>
+            <a:spLocks noGrp="1"/>
+          </p:cNvSpPr>
+          <p:nvPr>
+            <p:ph type="title"/>
+          </p:nvPr>
+        </p:nvSpPr>
+        <p:spPr>
+          <a:xfrm>
+            <a:off x="810000" y="447188"/>
+            <a:ext cx="10571998" cy="970450"/>
+          </a:xfrm>
+        </p:spPr>
+        <p:txBody>
+          <a:bodyPr vert="horz" lIns="91440" tIns="45720" rIns="91440" bIns="45720" rtlCol="0" anchor="b">
+            <a:normAutofit/>
+          </a:bodyPr>
+          <a:lstStyle/>
+          <a:p>
+            <a:r>
+              <a:rPr lang="en-US" dirty="0"/>
+              <a:t>Pour </a:t>
+            </a:r>
+            <a:r>
+              <a:rPr lang="en-US" dirty="0" err="1"/>
+              <a:t>résumer,un</a:t>
+            </a:r>
+            <a:r>
+              <a:rPr lang="en-US" dirty="0"/>
+              <a:t> zoning </a:t>
+            </a:r>
+            <a:r>
+              <a:rPr lang="en-US" dirty="0" err="1"/>
+              <a:t>c’est</a:t>
+            </a:r>
+            <a:r>
+              <a:rPr lang="en-US" dirty="0"/>
+              <a:t>:</a:t>
+            </a:r>
+          </a:p>
+        </p:txBody>
+      </p:sp>
+      <p:sp>
+        <p:nvSpPr>
+          <p:cNvPr id="11" name="Titre 1">
+            <a:extLst>
+              <a:ext uri="{FF2B5EF4-FFF2-40B4-BE49-F238E27FC236}">
+                <a16:creationId xmlns:a16="http://schemas.microsoft.com/office/drawing/2014/main" id="{50491BD7-6DAB-48D4-9A6D-59DEC54323F2}"/>
+              </a:ext>
+            </a:extLst>
+          </p:cNvPr>
+          <p:cNvSpPr txBox="1">
+            <a:spLocks/>
+          </p:cNvSpPr>
+          <p:nvPr/>
+        </p:nvSpPr>
+        <p:spPr>
+          <a:xfrm>
+            <a:off x="0" y="2486819"/>
+            <a:ext cx="8356600" cy="3632200"/>
+          </a:xfrm>
+          <a:prstGeom prst="rect">
+            <a:avLst/>
+          </a:prstGeom>
+        </p:spPr>
+        <p:txBody>
+          <a:bodyPr vert="horz" lIns="91440" tIns="45720" rIns="91440" bIns="45720" rtlCol="0" anchor="ctr">
+            <a:normAutofit fontScale="92500" lnSpcReduction="10000"/>
+          </a:bodyPr>
+          <a:lstStyle>
+            <a:lvl1pPr algn="l" defTabSz="457200" rtl="0" eaLnBrk="1" latinLnBrk="0" hangingPunct="1">
+              <a:spcBef>
+                <a:spcPct val="0"/>
+              </a:spcBef>
+              <a:buNone/>
+              <a:defRPr sz="4000" b="1" kern="1200">
+                <a:solidFill>
+                  <a:srgbClr val="FEFEFE"/>
+                </a:solidFill>
+                <a:latin typeface="+mj-lt"/>
+                <a:ea typeface="+mj-ea"/>
+                <a:cs typeface="+mj-cs"/>
+              </a:defRPr>
+            </a:lvl1pPr>
+            <a:lvl2pPr eaLnBrk="1" hangingPunct="1">
+              <a:defRPr>
+                <a:solidFill>
+                  <a:schemeClr val="tx2"/>
+                </a:solidFill>
+              </a:defRPr>
+            </a:lvl2pPr>
+            <a:lvl3pPr eaLnBrk="1" hangingPunct="1">
+              <a:defRPr>
+                <a:solidFill>
+                  <a:schemeClr val="tx2"/>
+                </a:solidFill>
+              </a:defRPr>
+            </a:lvl3pPr>
+            <a:lvl4pPr eaLnBrk="1" hangingPunct="1">
+              <a:defRPr>
+                <a:solidFill>
+                  <a:schemeClr val="tx2"/>
+                </a:solidFill>
+              </a:defRPr>
+            </a:lvl4pPr>
+            <a:lvl5pPr eaLnBrk="1" hangingPunct="1">
+              <a:defRPr>
+                <a:solidFill>
+                  <a:schemeClr val="tx2"/>
+                </a:solidFill>
+              </a:defRPr>
+            </a:lvl5pPr>
+            <a:lvl6pPr eaLnBrk="1" hangingPunct="1">
+              <a:defRPr>
+                <a:solidFill>
+                  <a:schemeClr val="tx2"/>
+                </a:solidFill>
+              </a:defRPr>
+            </a:lvl6pPr>
+            <a:lvl7pPr eaLnBrk="1" hangingPunct="1">
+              <a:defRPr>
+                <a:solidFill>
+                  <a:schemeClr val="tx2"/>
+                </a:solidFill>
+              </a:defRPr>
+            </a:lvl7pPr>
+            <a:lvl8pPr eaLnBrk="1" hangingPunct="1">
+              <a:defRPr>
+                <a:solidFill>
+                  <a:schemeClr val="tx2"/>
+                </a:solidFill>
+              </a:defRPr>
+            </a:lvl8pPr>
+            <a:lvl9pPr eaLnBrk="1" hangingPunct="1">
+              <a:defRPr>
+                <a:solidFill>
+                  <a:schemeClr val="tx2"/>
+                </a:solidFill>
+              </a:defRPr>
+            </a:lvl9pPr>
+          </a:lstStyle>
+          <a:p>
+            <a:pPr marL="342900" indent="-342900">
+              <a:lnSpc>
+                <a:spcPct val="150000"/>
+              </a:lnSpc>
+              <a:spcBef>
+                <a:spcPct val="20000"/>
+              </a:spcBef>
+              <a:spcAft>
+                <a:spcPts val="600"/>
+              </a:spcAft>
+              <a:buClr>
+                <a:schemeClr val="accent1"/>
+              </a:buClr>
+              <a:buFont typeface="Wingdings 2" charset="2"/>
+              <a:buChar char=""/>
+            </a:pPr>
+            <a:r>
+              <a:rPr lang="en-US" sz="3100" dirty="0" err="1">
+                <a:solidFill>
+                  <a:schemeClr val="tx1"/>
+                </a:solidFill>
+                <a:latin typeface="+mn-lt"/>
+                <a:ea typeface="+mn-ea"/>
+                <a:cs typeface="+mn-cs"/>
+              </a:rPr>
+              <a:t>Schématisation</a:t>
+            </a:r>
+            <a:r>
+              <a:rPr lang="en-US" sz="3100" dirty="0">
+                <a:solidFill>
+                  <a:schemeClr val="tx1"/>
+                </a:solidFill>
+                <a:latin typeface="+mn-lt"/>
+                <a:ea typeface="+mn-ea"/>
+                <a:cs typeface="+mn-cs"/>
+              </a:rPr>
+              <a:t> </a:t>
+            </a:r>
+            <a:r>
+              <a:rPr lang="en-US" sz="3100" dirty="0" err="1">
+                <a:solidFill>
+                  <a:schemeClr val="tx1"/>
+                </a:solidFill>
+                <a:latin typeface="+mn-lt"/>
+                <a:ea typeface="+mn-ea"/>
+                <a:cs typeface="+mn-cs"/>
+              </a:rPr>
+              <a:t>grossière</a:t>
+            </a:r>
+            <a:endParaRPr lang="en-US" sz="3100" dirty="0">
+              <a:solidFill>
+                <a:schemeClr val="tx1"/>
+              </a:solidFill>
+              <a:latin typeface="+mn-lt"/>
+              <a:ea typeface="+mn-ea"/>
+              <a:cs typeface="+mn-cs"/>
+            </a:endParaRPr>
+          </a:p>
+          <a:p>
+            <a:pPr marL="342900" indent="-342900">
+              <a:lnSpc>
+                <a:spcPct val="150000"/>
+              </a:lnSpc>
+              <a:spcBef>
+                <a:spcPct val="20000"/>
+              </a:spcBef>
+              <a:spcAft>
+                <a:spcPts val="600"/>
+              </a:spcAft>
+              <a:buClr>
+                <a:schemeClr val="accent1"/>
+              </a:buClr>
+              <a:buFont typeface="Wingdings 2" charset="2"/>
+              <a:buChar char=""/>
+            </a:pPr>
+            <a:r>
+              <a:rPr lang="en-US" sz="3100" dirty="0" err="1">
+                <a:solidFill>
+                  <a:schemeClr val="tx1"/>
+                </a:solidFill>
+                <a:latin typeface="+mn-lt"/>
+                <a:ea typeface="+mn-ea"/>
+                <a:cs typeface="+mn-cs"/>
+              </a:rPr>
+              <a:t>Représenter</a:t>
+            </a:r>
+            <a:r>
+              <a:rPr lang="en-US" sz="3100" dirty="0">
+                <a:solidFill>
+                  <a:schemeClr val="tx1"/>
+                </a:solidFill>
+                <a:latin typeface="+mn-lt"/>
+                <a:ea typeface="+mn-ea"/>
+                <a:cs typeface="+mn-cs"/>
+              </a:rPr>
+              <a:t> </a:t>
+            </a:r>
+            <a:r>
+              <a:rPr lang="en-US" sz="3100" dirty="0" err="1">
+                <a:solidFill>
+                  <a:schemeClr val="tx1"/>
+                </a:solidFill>
+                <a:latin typeface="+mn-lt"/>
+                <a:ea typeface="+mn-ea"/>
+                <a:cs typeface="+mn-cs"/>
+              </a:rPr>
+              <a:t>rapidement</a:t>
+            </a:r>
+            <a:r>
+              <a:rPr lang="en-US" sz="3100" dirty="0">
+                <a:solidFill>
+                  <a:schemeClr val="tx1"/>
+                </a:solidFill>
+                <a:latin typeface="+mn-lt"/>
+                <a:ea typeface="+mn-ea"/>
+                <a:cs typeface="+mn-cs"/>
+              </a:rPr>
+              <a:t> les </a:t>
+            </a:r>
+            <a:r>
+              <a:rPr lang="en-US" sz="3100" dirty="0" err="1">
+                <a:solidFill>
+                  <a:schemeClr val="tx1"/>
+                </a:solidFill>
+                <a:latin typeface="+mn-lt"/>
+                <a:ea typeface="+mn-ea"/>
+                <a:cs typeface="+mn-cs"/>
+              </a:rPr>
+              <a:t>differentes</a:t>
+            </a:r>
+            <a:r>
+              <a:rPr lang="en-US" sz="3100" dirty="0">
+                <a:solidFill>
+                  <a:schemeClr val="tx1"/>
+                </a:solidFill>
+                <a:latin typeface="+mn-lt"/>
+                <a:ea typeface="+mn-ea"/>
+                <a:cs typeface="+mn-cs"/>
+              </a:rPr>
+              <a:t> pages</a:t>
+            </a:r>
+          </a:p>
+          <a:p>
+            <a:pPr marL="342900" indent="-342900">
+              <a:lnSpc>
+                <a:spcPct val="150000"/>
+              </a:lnSpc>
+              <a:spcBef>
+                <a:spcPct val="20000"/>
+              </a:spcBef>
+              <a:spcAft>
+                <a:spcPts val="600"/>
+              </a:spcAft>
+              <a:buClr>
+                <a:schemeClr val="accent1"/>
+              </a:buClr>
+              <a:buFont typeface="Wingdings 2" charset="2"/>
+              <a:buChar char=""/>
+            </a:pPr>
+            <a:r>
+              <a:rPr lang="en-US" sz="3100" dirty="0" err="1">
+                <a:solidFill>
+                  <a:schemeClr val="tx1"/>
+                </a:solidFill>
+                <a:latin typeface="+mn-lt"/>
+                <a:ea typeface="+mn-ea"/>
+                <a:cs typeface="+mn-cs"/>
+              </a:rPr>
+              <a:t>Déterminer</a:t>
+            </a:r>
+            <a:r>
+              <a:rPr lang="en-US" sz="3100" dirty="0">
+                <a:solidFill>
+                  <a:schemeClr val="tx1"/>
+                </a:solidFill>
+                <a:latin typeface="+mn-lt"/>
+                <a:ea typeface="+mn-ea"/>
+                <a:cs typeface="+mn-cs"/>
+              </a:rPr>
+              <a:t> le </a:t>
+            </a:r>
+            <a:r>
+              <a:rPr lang="en-US" sz="3100" dirty="0" err="1">
+                <a:solidFill>
+                  <a:schemeClr val="tx1"/>
+                </a:solidFill>
+                <a:latin typeface="+mn-lt"/>
+                <a:ea typeface="+mn-ea"/>
+                <a:cs typeface="+mn-cs"/>
+              </a:rPr>
+              <a:t>contenu</a:t>
+            </a:r>
+            <a:r>
+              <a:rPr lang="en-US" sz="3100" dirty="0">
+                <a:solidFill>
+                  <a:schemeClr val="tx1"/>
+                </a:solidFill>
+                <a:latin typeface="+mn-lt"/>
+                <a:ea typeface="+mn-ea"/>
+                <a:cs typeface="+mn-cs"/>
+              </a:rPr>
+              <a:t> de </a:t>
+            </a:r>
+            <a:r>
+              <a:rPr lang="en-US" sz="3100" dirty="0" err="1">
+                <a:solidFill>
+                  <a:schemeClr val="tx1"/>
+                </a:solidFill>
+                <a:latin typeface="+mn-lt"/>
+                <a:ea typeface="+mn-ea"/>
+                <a:cs typeface="+mn-cs"/>
+              </a:rPr>
+              <a:t>chaque</a:t>
+            </a:r>
+            <a:r>
+              <a:rPr lang="en-US" sz="3100" dirty="0">
+                <a:solidFill>
+                  <a:schemeClr val="tx1"/>
+                </a:solidFill>
+                <a:latin typeface="+mn-lt"/>
+                <a:ea typeface="+mn-ea"/>
+                <a:cs typeface="+mn-cs"/>
+              </a:rPr>
+              <a:t> page</a:t>
+            </a:r>
+          </a:p>
+          <a:p>
+            <a:pPr marL="342900" indent="-342900">
+              <a:lnSpc>
+                <a:spcPct val="150000"/>
+              </a:lnSpc>
+              <a:spcBef>
+                <a:spcPct val="20000"/>
+              </a:spcBef>
+              <a:spcAft>
+                <a:spcPts val="600"/>
+              </a:spcAft>
+              <a:buClr>
+                <a:schemeClr val="accent1"/>
+              </a:buClr>
+              <a:buFont typeface="Wingdings 2" charset="2"/>
+              <a:buChar char=""/>
+            </a:pPr>
+            <a:r>
+              <a:rPr lang="en-US" sz="3100" dirty="0">
+                <a:solidFill>
+                  <a:schemeClr val="tx1"/>
+                </a:solidFill>
+                <a:latin typeface="+mn-lt"/>
+                <a:ea typeface="+mn-ea"/>
+                <a:cs typeface="+mn-cs"/>
+              </a:rPr>
+              <a:t>De presenter </a:t>
+            </a:r>
+            <a:r>
+              <a:rPr lang="en-US" sz="3100" dirty="0" err="1">
+                <a:solidFill>
+                  <a:schemeClr val="tx1"/>
+                </a:solidFill>
+                <a:latin typeface="+mn-lt"/>
+                <a:ea typeface="+mn-ea"/>
+                <a:cs typeface="+mn-cs"/>
+              </a:rPr>
+              <a:t>une</a:t>
+            </a:r>
+            <a:r>
+              <a:rPr lang="en-US" sz="3100" dirty="0">
+                <a:solidFill>
+                  <a:schemeClr val="tx1"/>
+                </a:solidFill>
+                <a:latin typeface="+mn-lt"/>
+                <a:ea typeface="+mn-ea"/>
+                <a:cs typeface="+mn-cs"/>
+              </a:rPr>
+              <a:t> première </a:t>
+            </a:r>
+            <a:r>
+              <a:rPr lang="en-US" sz="3100" dirty="0" err="1">
+                <a:solidFill>
+                  <a:schemeClr val="tx1"/>
+                </a:solidFill>
+                <a:latin typeface="+mn-lt"/>
+                <a:ea typeface="+mn-ea"/>
+                <a:cs typeface="+mn-cs"/>
+              </a:rPr>
+              <a:t>approche</a:t>
+            </a:r>
+            <a:endParaRPr lang="en-US" sz="3100" dirty="0">
+              <a:solidFill>
+                <a:schemeClr val="tx1"/>
+              </a:solidFill>
+              <a:latin typeface="+mn-lt"/>
+              <a:ea typeface="+mn-ea"/>
+              <a:cs typeface="+mn-cs"/>
+            </a:endParaRPr>
+          </a:p>
+        </p:txBody>
+      </p:sp>
+      <p:pic>
+        <p:nvPicPr>
+          <p:cNvPr id="5" name="Espace réservé du contenu 4" descr="Une image contenant capture d’écran&#10;&#10;Description générée automatiquement">
+            <a:extLst>
+              <a:ext uri="{FF2B5EF4-FFF2-40B4-BE49-F238E27FC236}">
+                <a16:creationId xmlns:a16="http://schemas.microsoft.com/office/drawing/2014/main" id="{6232D3DB-3050-4EC9-A5E0-F5F7F44CB0A2}"/>
+              </a:ext>
+            </a:extLst>
+          </p:cNvPr>
+          <p:cNvPicPr>
+            <a:picLocks noGrp="1" noChangeAspect="1"/>
+          </p:cNvPicPr>
+          <p:nvPr>
+            <p:ph idx="1"/>
+          </p:nvPr>
+        </p:nvPicPr>
+        <p:blipFill>
+          <a:blip r:embed="rId2"/>
+          <a:stretch>
+            <a:fillRect/>
+          </a:stretch>
+        </p:blipFill>
+        <p:spPr>
+          <a:xfrm>
+            <a:off x="8458200" y="2082800"/>
+            <a:ext cx="3019361" cy="4440238"/>
+          </a:xfrm>
+          <a:prstGeom prst="roundRect">
+            <a:avLst>
+              <a:gd name="adj" fmla="val 3876"/>
+            </a:avLst>
+          </a:prstGeom>
+          <a:ln>
+            <a:solidFill>
+              <a:schemeClr val="accent1"/>
+            </a:solidFill>
+          </a:ln>
+          <a:effectLst/>
+        </p:spPr>
+      </p:pic>
+    </p:spTree>
+    <p:extLst>
+      <p:ext uri="{BB962C8B-B14F-4D97-AF65-F5344CB8AC3E}">
+        <p14:creationId xmlns:p14="http://schemas.microsoft.com/office/powerpoint/2010/main" val="2750301626"/>
+      </p:ext>
+    </p:extLst>
+  </p:cSld>
+  <p:clrMapOvr>
+    <a:masterClrMapping/>
+  </p:clrMapOvr>
+</p:sld>
+</file>
+
+<file path=ppt/slides/slide4.xml><?xml version="1.0" encoding="utf-8"?>
 <p:sld xmlns:a="http://schemas.openxmlformats.org/drawingml/2006/main" xmlns:r="http://schemas.openxmlformats.org/officeDocument/2006/relationships" xmlns:p="http://schemas.openxmlformats.org/presentationml/2006/main">
   <p:cSld>
     <p:bg>
@@ -6915,7 +7463,7 @@
           <a:effectLst/>
           <a:extLst>
             <a:ext uri="{91240B29-F687-4f45-9708-019B960494DF}">
-              <a14:hiddenLine xmlns:a16="http://schemas.microsoft.com/office/drawing/2014/main" xmlns:p14="http://schemas.microsoft.com/office/powerpoint/2010/main" xmlns:a14="http://schemas.microsoft.com/office/drawing/2010/main" xmlns="" w="9525">
+              <a14:hiddenLine xmlns="" xmlns:a14="http://schemas.microsoft.com/office/drawing/2010/main" xmlns:p14="http://schemas.microsoft.com/office/powerpoint/2010/main" xmlns:a16="http://schemas.microsoft.com/office/drawing/2014/main" w="9525">
                 <a:solidFill>
                   <a:srgbClr val="000000"/>
                 </a:solidFill>
@@ -6960,7 +7508,7 @@
         <p:spPr>
           <a:xfrm>
             <a:off x="451515" y="1734857"/>
-            <a:ext cx="3765483" cy="3388287"/>
+            <a:ext cx="4689828" cy="3388287"/>
           </a:xfrm>
         </p:spPr>
         <p:txBody>
@@ -6971,8 +7519,8 @@
           <a:p>
             <a:pPr fontAlgn="base"/>
             <a:r>
-              <a:rPr lang="fr-FR" dirty="0"/>
-              <a:t>Qu’est-ce que le Zoning ?</a:t>
+              <a:rPr lang="fr-MA" dirty="0"/>
+              <a:t>Qu’est-ce qu’un Wireframe ?</a:t>
             </a:r>
           </a:p>
         </p:txBody>
@@ -6995,43 +7543,55 @@
         </p:nvSpPr>
         <p:spPr>
           <a:xfrm>
-            <a:off x="5556552" y="134256"/>
-            <a:ext cx="6635448" cy="6589485"/>
+            <a:off x="5556552" y="103516"/>
+            <a:ext cx="6635448" cy="6650966"/>
           </a:xfrm>
           <a:effectLst/>
         </p:spPr>
         <p:txBody>
           <a:bodyPr>
-            <a:normAutofit/>
+            <a:normAutofit fontScale="92500"/>
           </a:bodyPr>
           <a:lstStyle/>
           <a:p>
-            <a:pPr fontAlgn="base"/>
+            <a:pPr fontAlgn="base">
+              <a:lnSpc>
+                <a:spcPct val="110000"/>
+              </a:lnSpc>
+            </a:pPr>
             <a:r>
               <a:rPr lang="fr-FR" sz="2000" dirty="0"/>
               <a:t>Le </a:t>
             </a:r>
             <a:r>
               <a:rPr lang="fr-FR" sz="2000" b="1" dirty="0"/>
-              <a:t>zoning</a:t>
+              <a:t>wireframe</a:t>
             </a:r>
             <a:r>
               <a:rPr lang="fr-FR" sz="2000" dirty="0"/>
-              <a:t> est une schématisation grossière de ce que sera la future page web. On utilise des blocs pour déterminer où se trouveront les contenus et fonctionnalités. Cette étape a généralement lieu après la création d’une arborescence, il arrive quelquefois qu’elle soit réalisée en parallèle.</a:t>
-            </a:r>
-          </a:p>
-          <a:p>
-            <a:pPr fontAlgn="base"/>
+              <a:t> est la suite logique du zoning. Chaque bloc réalisé lors de l’étape précédente se voit doté d’image(s), de texte(s) ou de vidéo(s). Ce contenu peut être fictif car les informations finales ne sont pas toujours connues à ce stade du projet.</a:t>
+            </a:r>
+          </a:p>
+          <a:p>
+            <a:pPr fontAlgn="base">
+              <a:lnSpc>
+                <a:spcPct val="110000"/>
+              </a:lnSpc>
+            </a:pPr>
             <a:r>
               <a:rPr lang="fr-FR" sz="2000" dirty="0"/>
-              <a:t>Définir l’organisation générale des pages est l’occasion de présenter une première approche au client ou décisionnaire. Celui-ci pourra alors valider ou réajuster les grands axes avant la réalisation des wireframes.</a:t>
-            </a:r>
-          </a:p>
-          <a:p>
-            <a:pPr fontAlgn="base"/>
+              <a:t>L’objectif est de définir l’organisation des éléments et des formes sans travailler l’aspect visuel, le graphisme n’interviendra que plus tard. On se base davantage sur les standards et souhaits ergonomiques pour orienter la réflexion.</a:t>
+            </a:r>
+          </a:p>
+          <a:p>
+            <a:pPr fontAlgn="base">
+              <a:lnSpc>
+                <a:spcPct val="110000"/>
+              </a:lnSpc>
+            </a:pPr>
             <a:r>
               <a:rPr lang="fr-FR" sz="2000" dirty="0"/>
-              <a:t>Les grandes zones de contenus et autres éléments doivent être cohérents sur la page. Il n’est pas rare que les souhaits initiaux soient inadaptés, par exemple une page d’accueil surchargée d’informations. C’est lors du zoning qu’est effectué ce premier débroussaillage.</a:t>
+              <a:t>Là encore, un échange avec le client est nécessaire pour valider les avancées. Le wireframe, en bon outil de communication, l’aide à se projeter. Il évite surtout la rédaction d’un cahier des charges fonctionnel où les besoins peuvent être incomplets ou mal définis, ce qui entrainerait une refonte coûteuse de la plateforme finale. Les wireframes jouent le même rôle en présentant chaque fonctionnalité et spécification associée.</a:t>
             </a:r>
           </a:p>
         </p:txBody>
@@ -7039,7 +7599,7 @@
     </p:spTree>
     <p:extLst>
       <p:ext uri="{BB962C8B-B14F-4D97-AF65-F5344CB8AC3E}">
-        <p14:creationId xmlns:p14="http://schemas.microsoft.com/office/powerpoint/2010/main" val="1257536419"/>
+        <p14:creationId xmlns:p14="http://schemas.microsoft.com/office/powerpoint/2010/main" val="2925298905"/>
       </p:ext>
     </p:extLst>
   </p:cSld>
@@ -7049,7 +7609,7 @@
 </p:sld>
 </file>
 
-<file path=ppt/slides/slide3.xml><?xml version="1.0" encoding="utf-8"?>
+<file path=ppt/slides/slide5.xml><?xml version="1.0" encoding="utf-8"?>
 <p:sld xmlns:a="http://schemas.openxmlformats.org/drawingml/2006/main" xmlns:r="http://schemas.openxmlformats.org/officeDocument/2006/relationships" xmlns:p="http://schemas.openxmlformats.org/presentationml/2006/main">
   <p:cSld>
     <p:bg>
@@ -7112,7 +7672,7 @@
             </a:r>
             <a:r>
               <a:rPr lang="en-US" dirty="0"/>
-              <a:t> zoning </a:t>
+              <a:t> wireframe </a:t>
             </a:r>
             <a:r>
               <a:rPr lang="en-US" dirty="0" err="1"/>
@@ -7141,7 +7701,7 @@
         </p:nvSpPr>
         <p:spPr>
           <a:xfrm>
-            <a:off x="0" y="2486819"/>
+            <a:off x="0" y="2413000"/>
             <a:ext cx="8356600" cy="3632200"/>
           </a:xfrm>
           <a:prstGeom prst="rect">
@@ -7150,7 +7710,7 @@
         </p:spPr>
         <p:txBody>
           <a:bodyPr vert="horz" lIns="91440" tIns="45720" rIns="91440" bIns="45720" rtlCol="0" anchor="ctr">
-            <a:normAutofit fontScale="92500" lnSpcReduction="10000"/>
+            <a:normAutofit fontScale="85000" lnSpcReduction="10000"/>
           </a:bodyPr>
           <a:lstStyle>
             <a:lvl1pPr algn="l" defTabSz="457200" rtl="0" eaLnBrk="1" latinLnBrk="0" hangingPunct="1">
@@ -7225,9 +7785,9 @@
             </a:lvl9pPr>
           </a:lstStyle>
           <a:p>
-            <a:pPr marL="342900" indent="-342900">
+            <a:pPr marL="457200" indent="-457200">
               <a:lnSpc>
-                <a:spcPct val="150000"/>
+                <a:spcPct val="160000"/>
               </a:lnSpc>
               <a:spcBef>
                 <a:spcPct val="20000"/>
@@ -7238,8 +7798,8 @@
               <a:buClr>
                 <a:schemeClr val="accent1"/>
               </a:buClr>
-              <a:buFont typeface="Wingdings 2" charset="2"/>
-              <a:buChar char=""/>
+              <a:buFont typeface="Courier New" panose="02070309020205020404" pitchFamily="49" charset="0"/>
+              <a:buChar char="o"/>
             </a:pPr>
             <a:r>
               <a:rPr lang="en-US" sz="3100" dirty="0" err="1">
@@ -7250,7 +7810,7 @@
                 <a:ea typeface="+mn-ea"/>
                 <a:cs typeface="+mn-cs"/>
               </a:rPr>
-              <a:t>Schématisation</a:t>
+              <a:t>Maquette</a:t>
             </a:r>
             <a:r>
               <a:rPr lang="en-US" sz="3100" dirty="0">
@@ -7272,21 +7832,24 @@
                 <a:ea typeface="+mn-ea"/>
                 <a:cs typeface="+mn-cs"/>
               </a:rPr>
-              <a:t>grossière</a:t>
-            </a:r>
-            <a:endParaRPr lang="en-US" sz="3100" dirty="0">
-              <a:solidFill>
-                <a:schemeClr val="tx1"/>
-              </a:solidFill>
-              <a:latin typeface="+mn-lt"/>
-              <a:ea typeface="+mn-ea"/>
-              <a:cs typeface="+mn-cs"/>
-            </a:endParaRPr>
-          </a:p>
-          <a:p>
-            <a:pPr marL="342900" indent="-342900">
+              <a:t>basse</a:t>
+            </a:r>
+            <a:r>
+              <a:rPr lang="en-US" sz="3100" dirty="0">
+                <a:solidFill>
+                  <a:schemeClr val="tx1"/>
+                </a:solidFill>
+                <a:latin typeface="+mn-lt"/>
+                <a:ea typeface="+mn-ea"/>
+                <a:cs typeface="+mn-cs"/>
+              </a:rPr>
+              <a:t> definition </a:t>
+            </a:r>
+          </a:p>
+          <a:p>
+            <a:pPr marL="457200" indent="-457200">
               <a:lnSpc>
-                <a:spcPct val="150000"/>
+                <a:spcPct val="160000"/>
               </a:lnSpc>
               <a:spcBef>
                 <a:spcPct val="20000"/>
@@ -7297,8 +7860,8 @@
               <a:buClr>
                 <a:schemeClr val="accent1"/>
               </a:buClr>
-              <a:buFont typeface="Wingdings 2" charset="2"/>
-              <a:buChar char=""/>
+              <a:buFont typeface="Courier New" panose="02070309020205020404" pitchFamily="49" charset="0"/>
+              <a:buChar char="o"/>
             </a:pPr>
             <a:r>
               <a:rPr lang="en-US" sz="3100" dirty="0" err="1">
@@ -7309,7 +7872,29 @@
                 <a:ea typeface="+mn-ea"/>
                 <a:cs typeface="+mn-cs"/>
               </a:rPr>
-              <a:t>Représenter</a:t>
+              <a:t>Organiser</a:t>
+            </a:r>
+            <a:r>
+              <a:rPr lang="en-US" sz="3100" dirty="0">
+                <a:solidFill>
+                  <a:schemeClr val="tx1"/>
+                </a:solidFill>
+                <a:latin typeface="+mn-lt"/>
+                <a:ea typeface="+mn-ea"/>
+                <a:cs typeface="+mn-cs"/>
+              </a:rPr>
+              <a:t> les </a:t>
+            </a:r>
+            <a:r>
+              <a:rPr lang="en-US" sz="3100" dirty="0" err="1">
+                <a:solidFill>
+                  <a:schemeClr val="tx1"/>
+                </a:solidFill>
+                <a:latin typeface="+mn-lt"/>
+                <a:ea typeface="+mn-ea"/>
+                <a:cs typeface="+mn-cs"/>
+              </a:rPr>
+              <a:t>différents</a:t>
             </a:r>
             <a:r>
               <a:rPr lang="en-US" sz="3100" dirty="0">
@@ -7331,7 +7916,7 @@
                 <a:ea typeface="+mn-ea"/>
                 <a:cs typeface="+mn-cs"/>
               </a:rPr>
-              <a:t>rapidement</a:t>
+              <a:t>éléments</a:t>
             </a:r>
             <a:r>
               <a:rPr lang="en-US" sz="3100" dirty="0">
@@ -7342,35 +7927,13 @@
                 <a:ea typeface="+mn-ea"/>
                 <a:cs typeface="+mn-cs"/>
               </a:rPr>
-              <a:t> les </a:t>
-            </a:r>
-            <a:r>
-              <a:rPr lang="en-US" sz="3100" dirty="0" err="1">
-                <a:solidFill>
-                  <a:schemeClr val="tx1"/>
-                </a:solidFill>
-                <a:latin typeface="+mn-lt"/>
-                <a:ea typeface="+mn-ea"/>
-                <a:cs typeface="+mn-cs"/>
-              </a:rPr>
-              <a:t>differentes</a:t>
-            </a:r>
-            <a:r>
-              <a:rPr lang="en-US" sz="3100" dirty="0">
-                <a:solidFill>
-                  <a:schemeClr val="tx1"/>
-                </a:solidFill>
-                <a:latin typeface="+mn-lt"/>
-                <a:ea typeface="+mn-ea"/>
-                <a:cs typeface="+mn-cs"/>
-              </a:rPr>
-              <a:t> pages</a:t>
-            </a:r>
-          </a:p>
-          <a:p>
-            <a:pPr marL="342900" indent="-342900">
+              <a:t> et forms</a:t>
+            </a:r>
+          </a:p>
+          <a:p>
+            <a:pPr marL="457200" indent="-457200">
               <a:lnSpc>
-                <a:spcPct val="150000"/>
+                <a:spcPct val="160000"/>
               </a:lnSpc>
               <a:spcBef>
                 <a:spcPct val="20000"/>
@@ -7381,8 +7944,8 @@
               <a:buClr>
                 <a:schemeClr val="accent1"/>
               </a:buClr>
-              <a:buFont typeface="Wingdings 2" charset="2"/>
-              <a:buChar char=""/>
+              <a:buFont typeface="Courier New" panose="02070309020205020404" pitchFamily="49" charset="0"/>
+              <a:buChar char="o"/>
             </a:pPr>
             <a:r>
               <a:rPr lang="en-US" sz="3100" dirty="0" err="1">
@@ -7393,7 +7956,7 @@
                 <a:ea typeface="+mn-ea"/>
                 <a:cs typeface="+mn-cs"/>
               </a:rPr>
-              <a:t>Déterminer</a:t>
+              <a:t>Orienté</a:t>
             </a:r>
             <a:r>
               <a:rPr lang="en-US" sz="3100" dirty="0">
@@ -7404,7 +7967,7 @@
                 <a:ea typeface="+mn-ea"/>
                 <a:cs typeface="+mn-cs"/>
               </a:rPr>
-              <a:t> le </a:t>
+              <a:t> </a:t>
             </a:r>
             <a:r>
               <a:rPr lang="en-US" sz="3100" dirty="0" err="1">
@@ -7415,7 +7978,7 @@
                 <a:ea typeface="+mn-ea"/>
                 <a:cs typeface="+mn-cs"/>
               </a:rPr>
-              <a:t>contenu</a:t>
+              <a:t>réflexion</a:t>
             </a:r>
             <a:r>
               <a:rPr lang="en-US" sz="3100" dirty="0">
@@ -7426,7 +7989,7 @@
                 <a:ea typeface="+mn-ea"/>
                 <a:cs typeface="+mn-cs"/>
               </a:rPr>
-              <a:t> de </a:t>
+              <a:t> </a:t>
             </a:r>
             <a:r>
               <a:rPr lang="en-US" sz="3100" dirty="0" err="1">
@@ -7437,7 +8000,7 @@
                 <a:ea typeface="+mn-ea"/>
                 <a:cs typeface="+mn-cs"/>
               </a:rPr>
-              <a:t>chaque</a:t>
+              <a:t>en</a:t>
             </a:r>
             <a:r>
               <a:rPr lang="en-US" sz="3100" dirty="0">
@@ -7448,13 +8011,54 @@
                 <a:ea typeface="+mn-ea"/>
                 <a:cs typeface="+mn-cs"/>
               </a:rPr>
-              <a:t> page</a:t>
-            </a:r>
-          </a:p>
-          <a:p>
-            <a:pPr marL="342900" indent="-342900">
+              <a:t> </a:t>
+            </a:r>
+            <a:r>
+              <a:rPr lang="en-US" sz="3100" dirty="0" err="1">
+                <a:solidFill>
+                  <a:schemeClr val="tx1"/>
+                </a:solidFill>
+                <a:latin typeface="+mn-lt"/>
+                <a:ea typeface="+mn-ea"/>
+                <a:cs typeface="+mn-cs"/>
+              </a:rPr>
+              <a:t>respectant</a:t>
+            </a:r>
+            <a:r>
+              <a:rPr lang="en-US" sz="3100" dirty="0">
+                <a:solidFill>
+                  <a:schemeClr val="tx1"/>
+                </a:solidFill>
+                <a:latin typeface="+mn-lt"/>
+                <a:ea typeface="+mn-ea"/>
+                <a:cs typeface="+mn-cs"/>
+              </a:rPr>
+              <a:t> </a:t>
+            </a:r>
+            <a:r>
+              <a:rPr lang="en-US" sz="3100" dirty="0" err="1">
+                <a:solidFill>
+                  <a:schemeClr val="tx1"/>
+                </a:solidFill>
+                <a:latin typeface="+mn-lt"/>
+                <a:ea typeface="+mn-ea"/>
+                <a:cs typeface="+mn-cs"/>
+              </a:rPr>
+              <a:t>l’ergonomie</a:t>
+            </a:r>
+            <a:endParaRPr lang="en-US" sz="3100" dirty="0">
+              <a:solidFill>
+                <a:schemeClr val="tx1"/>
+              </a:solidFill>
+              <a:latin typeface="+mn-lt"/>
+              <a:ea typeface="+mn-ea"/>
+              <a:cs typeface="+mn-cs"/>
+            </a:endParaRPr>
+          </a:p>
+          <a:p>
+            <a:pPr marL="457200" indent="-457200">
               <a:lnSpc>
-                <a:spcPct val="150000"/>
+                <a:spcPct val="160000"/>
               </a:lnSpc>
               <a:spcBef>
                 <a:spcPct val="20000"/>
@@ -7465,11 +8069,11 @@
               <a:buClr>
                 <a:schemeClr val="accent1"/>
               </a:buClr>
-              <a:buFont typeface="Wingdings 2" charset="2"/>
-              <a:buChar char=""/>
+              <a:buFont typeface="Courier New" panose="02070309020205020404" pitchFamily="49" charset="0"/>
+              <a:buChar char="o"/>
             </a:pPr>
             <a:r>
-              <a:rPr lang="en-US" sz="3100" dirty="0">
+              <a:rPr lang="en-US" sz="3100" dirty="0" err="1">
                 <a:solidFill>
                   <a:schemeClr val="tx1"/>
                 </a:solidFill>
@@ -7477,10 +8081,10 @@
                 <a:ea typeface="+mn-ea"/>
                 <a:cs typeface="+mn-cs"/>
               </a:rPr>
-              <a:t>De presenter </a:t>
-            </a:r>
-            <a:r>
-              <a:rPr lang="en-US" sz="3100" dirty="0" err="1">
+              <a:t>Présenter</a:t>
+            </a:r>
+            <a:r>
+              <a:rPr lang="en-US" sz="3100" dirty="0">
                 <a:solidFill>
                   <a:schemeClr val="tx1"/>
                 </a:solidFill>
@@ -7488,10 +8092,10 @@
                 <a:ea typeface="+mn-ea"/>
                 <a:cs typeface="+mn-cs"/>
               </a:rPr>
-              <a:t>une</a:t>
-            </a:r>
-            <a:r>
-              <a:rPr lang="en-US" sz="3100" dirty="0">
+              <a:t> </a:t>
+            </a:r>
+            <a:r>
+              <a:rPr lang="en-US" sz="3100" dirty="0" err="1">
                 <a:solidFill>
                   <a:schemeClr val="tx1"/>
                 </a:solidFill>
@@ -7499,10 +8103,10 @@
                 <a:ea typeface="+mn-ea"/>
                 <a:cs typeface="+mn-cs"/>
               </a:rPr>
-              <a:t> première </a:t>
-            </a:r>
-            <a:r>
-              <a:rPr lang="en-US" sz="3100" dirty="0" err="1">
+              <a:t>l’ensemble</a:t>
+            </a:r>
+            <a:r>
+              <a:rPr lang="en-US" sz="3100" dirty="0">
                 <a:solidFill>
                   <a:schemeClr val="tx1"/>
                 </a:solidFill>
@@ -7510,7 +8114,62 @@
                 <a:ea typeface="+mn-ea"/>
                 <a:cs typeface="+mn-cs"/>
               </a:rPr>
-              <a:t>approche</a:t>
+              <a:t> des </a:t>
+            </a:r>
+            <a:r>
+              <a:rPr lang="en-US" sz="3100" dirty="0" err="1">
+                <a:solidFill>
+                  <a:schemeClr val="tx1"/>
+                </a:solidFill>
+                <a:latin typeface="+mn-lt"/>
+                <a:ea typeface="+mn-ea"/>
+                <a:cs typeface="+mn-cs"/>
+              </a:rPr>
+              <a:t>fonctionnalités</a:t>
+            </a:r>
+            <a:r>
+              <a:rPr lang="en-US" sz="3100" dirty="0">
+                <a:solidFill>
+                  <a:schemeClr val="tx1"/>
+                </a:solidFill>
+                <a:latin typeface="+mn-lt"/>
+                <a:ea typeface="+mn-ea"/>
+                <a:cs typeface="+mn-cs"/>
+              </a:rPr>
+              <a:t> et les specifications qui </a:t>
+            </a:r>
+            <a:r>
+              <a:rPr lang="en-US" sz="3100" dirty="0" err="1">
+                <a:solidFill>
+                  <a:schemeClr val="tx1"/>
+                </a:solidFill>
+                <a:latin typeface="+mn-lt"/>
+                <a:ea typeface="+mn-ea"/>
+                <a:cs typeface="+mn-cs"/>
+              </a:rPr>
+              <a:t>sont</a:t>
+            </a:r>
+            <a:r>
+              <a:rPr lang="en-US" sz="3100" dirty="0">
+                <a:solidFill>
+                  <a:schemeClr val="tx1"/>
+                </a:solidFill>
+                <a:latin typeface="+mn-lt"/>
+                <a:ea typeface="+mn-ea"/>
+                <a:cs typeface="+mn-cs"/>
+              </a:rPr>
+              <a:t> </a:t>
+            </a:r>
+            <a:r>
+              <a:rPr lang="en-US" sz="3100" dirty="0" err="1">
+                <a:solidFill>
+                  <a:schemeClr val="tx1"/>
+                </a:solidFill>
+                <a:latin typeface="+mn-lt"/>
+                <a:ea typeface="+mn-ea"/>
+                <a:cs typeface="+mn-cs"/>
+              </a:rPr>
+              <a:t>associées</a:t>
             </a:r>
             <a:endParaRPr lang="en-US" sz="3100" dirty="0">
               <a:solidFill>
@@ -7525,10 +8184,10 @@
       </p:sp>
       <p:pic>
         <p:nvPicPr>
-          <p:cNvPr id="5" name="Espace réservé du contenu 4" descr="Une image contenant capture d’écran&#10;&#10;Description générée automatiquement">
+          <p:cNvPr id="7" name="Espace réservé du contenu 6" descr="Une image contenant texte, carte&#10;&#10;Description générée automatiquement">
             <a:extLst>
               <a:ext uri="{FF2B5EF4-FFF2-40B4-BE49-F238E27FC236}">
-                <a16:creationId xmlns:a16="http://schemas.microsoft.com/office/drawing/2014/main" id="{6232D3DB-3050-4EC9-A5E0-F5F7F44CB0A2}"/>
+                <a16:creationId xmlns:a16="http://schemas.microsoft.com/office/drawing/2014/main" id="{A7C403BD-5216-43B5-AE6E-22AD982CF08E}"/>
               </a:ext>
             </a:extLst>
           </p:cNvPr>
@@ -7547,26 +8206,15 @@
         </p:blipFill>
         <p:spPr>
           <a:xfrm>
-            <a:off x="8458200" y="2082800"/>
-            <a:ext cx="3019361" cy="4440238"/>
+            <a:off x="8198933" y="2583162"/>
+            <a:ext cx="3891467" cy="3462038"/>
           </a:xfrm>
-          <a:prstGeom prst="roundRect">
-            <a:avLst>
-              <a:gd name="adj" fmla="val 3876"/>
-            </a:avLst>
-          </a:prstGeom>
-          <a:ln>
-            <a:solidFill>
-              <a:schemeClr val="accent1"/>
-            </a:solidFill>
-          </a:ln>
-          <a:effectLst/>
         </p:spPr>
       </p:pic>
     </p:spTree>
     <p:extLst>
       <p:ext uri="{BB962C8B-B14F-4D97-AF65-F5344CB8AC3E}">
-        <p14:creationId xmlns:p14="http://schemas.microsoft.com/office/powerpoint/2010/main" val="2750301626"/>
+        <p14:creationId xmlns:p14="http://schemas.microsoft.com/office/powerpoint/2010/main" val="98254707"/>
       </p:ext>
     </p:extLst>
   </p:cSld>
@@ -7576,7 +8224,7 @@
 </p:sld>
 </file>
 
-<file path=ppt/slides/slide4.xml><?xml version="1.0" encoding="utf-8"?>
+<file path=ppt/slides/slide6.xml><?xml version="1.0" encoding="utf-8"?>
 <p:sld xmlns:a="http://schemas.openxmlformats.org/drawingml/2006/main" xmlns:r="http://schemas.openxmlformats.org/officeDocument/2006/relationships" xmlns:p="http://schemas.openxmlformats.org/presentationml/2006/main">
   <p:cSld>
     <p:bg>
@@ -7874,7 +8522,7 @@
           <a:effectLst/>
           <a:extLst>
             <a:ext uri="{91240B29-F687-4f45-9708-019B960494DF}">
-              <a14:hiddenLine xmlns:a16="http://schemas.microsoft.com/office/drawing/2014/main" xmlns:p14="http://schemas.microsoft.com/office/powerpoint/2010/main" xmlns:a14="http://schemas.microsoft.com/office/drawing/2010/main" xmlns="" w="9525">
+              <a14:hiddenLine xmlns="" xmlns:a14="http://schemas.microsoft.com/office/drawing/2010/main" xmlns:p14="http://schemas.microsoft.com/office/powerpoint/2010/main" xmlns:a16="http://schemas.microsoft.com/office/drawing/2014/main" w="9525">
                 <a:solidFill>
                   <a:srgbClr val="000000"/>
                 </a:solidFill>
@@ -7931,7 +8579,19 @@
             <a:pPr fontAlgn="base"/>
             <a:r>
               <a:rPr lang="fr-MA" dirty="0"/>
-              <a:t>Qu’est-ce qu’un Wireframe ?</a:t>
+              <a:t>Qu’est-ce qu’un </a:t>
+            </a:r>
+            <a:r>
+              <a:rPr lang="fr-MA" dirty="0" err="1"/>
+              <a:t>Mockup</a:t>
+            </a:r>
+            <a:r>
+              <a:rPr lang="fr-MA" b="0" dirty="0"/>
+              <a:t> </a:t>
+            </a:r>
+            <a:r>
+              <a:rPr lang="fr-MA" dirty="0"/>
+              <a:t>?</a:t>
             </a:r>
           </a:p>
         </p:txBody>
@@ -7961,56 +8621,35 @@
         </p:spPr>
         <p:txBody>
           <a:bodyPr>
-            <a:normAutofit fontScale="92500"/>
+            <a:normAutofit/>
           </a:bodyPr>
           <a:lstStyle/>
           <a:p>
             <a:pPr fontAlgn="base">
               <a:lnSpc>
-                <a:spcPct val="110000"/>
+                <a:spcPct val="150000"/>
               </a:lnSpc>
             </a:pPr>
             <a:r>
               <a:rPr lang="fr-FR" sz="2000" dirty="0"/>
-              <a:t>Le </a:t>
-            </a:r>
-            <a:r>
-              <a:rPr lang="fr-FR" sz="2000" b="1" dirty="0"/>
-              <a:t>wireframe</a:t>
+              <a:t>Un </a:t>
+            </a:r>
+            <a:r>
+              <a:rPr lang="fr-FR" sz="2000" b="1" dirty="0" err="1"/>
+              <a:t>mockup</a:t>
             </a:r>
             <a:r>
               <a:rPr lang="fr-FR" sz="2000" dirty="0"/>
-              <a:t> est la suite logique du zoning. Chaque bloc réalisé lors de l’étape précédente se voit doté d’image(s), de texte(s) ou de vidéo(s). Ce contenu peut être fictif car les informations finales ne sont pas toujours connues à ce stade du projet.</a:t>
-            </a:r>
-          </a:p>
-          <a:p>
-            <a:pPr fontAlgn="base">
-              <a:lnSpc>
-                <a:spcPct val="110000"/>
-              </a:lnSpc>
-            </a:pPr>
-            <a:r>
-              <a:rPr lang="fr-FR" sz="2000" dirty="0"/>
-              <a:t>L’objectif est de définir l’organisation des éléments et des formes sans travailler l’aspect visuel, le graphisme n’interviendra que plus tard. On se base davantage sur les standards et souhaits ergonomiques pour orienter la réflexion.</a:t>
-            </a:r>
-          </a:p>
-          <a:p>
-            <a:pPr fontAlgn="base">
-              <a:lnSpc>
-                <a:spcPct val="110000"/>
-              </a:lnSpc>
-            </a:pPr>
-            <a:r>
-              <a:rPr lang="fr-FR" sz="2000" dirty="0"/>
-              <a:t>Là encore, un échange avec le client est nécessaire pour valider les avancées. Le wireframe, en bon outil de communication, l’aide à se projeter. Il évite surtout la rédaction d’un cahier des charges fonctionnel où les besoins peuvent être incomplets ou mal définis, ce qui entrainerait une refonte coûteuse de la plateforme finale. Les wireframes jouent le même rôle en présentant chaque fonctionnalité et spécification associée.</a:t>
-            </a:r>
+              <a:t> est une image d’interface qui a été transformée en page HTML dynamique et navigable (opération réalisée via des logiciels de conception d’interfaces). Ce nouveau format autorise l’insertion de liens vers des pages notamment. Il permet aussi de rendre un formulaire fonctionnel afin d’effectuer des simulations. Grâce à l’intégration des exigences techniques, les messages de confirmation ou d’erreur apparaissent. Autant d’actions, qui, même si elles restent sommaires, sont utiles au client pour se projeter davantage.</a:t>
+            </a:r>
+            <a:endParaRPr lang="fr-FR" sz="2400" dirty="0"/>
           </a:p>
         </p:txBody>
       </p:sp>
     </p:spTree>
     <p:extLst>
       <p:ext uri="{BB962C8B-B14F-4D97-AF65-F5344CB8AC3E}">
-        <p14:creationId xmlns:p14="http://schemas.microsoft.com/office/powerpoint/2010/main" val="2925298905"/>
+        <p14:creationId xmlns:p14="http://schemas.microsoft.com/office/powerpoint/2010/main" val="4208173453"/>
       </p:ext>
     </p:extLst>
   </p:cSld>
@@ -8020,17 +8659,9 @@
 </p:sld>
 </file>
 
-<file path=ppt/slides/slide5.xml><?xml version="1.0" encoding="utf-8"?>
+<file path=ppt/slides/slide7.xml><?xml version="1.0" encoding="utf-8"?>
 <p:sld xmlns:a="http://schemas.openxmlformats.org/drawingml/2006/main" xmlns:r="http://schemas.openxmlformats.org/officeDocument/2006/relationships" xmlns:p="http://schemas.openxmlformats.org/presentationml/2006/main">
   <p:cSld>
-    <p:bg>
-      <p:bgPr>
-        <a:solidFill>
-          <a:schemeClr val="bg2"/>
-        </a:solidFill>
-        <a:effectLst/>
-      </p:bgPr>
-    </p:bg>
     <p:spTree>
       <p:nvGrpSpPr>
         <p:cNvPr id="1" name=""/>
@@ -8047,10 +8678,10 @@
       </p:grpSpPr>
       <p:sp>
         <p:nvSpPr>
-          <p:cNvPr id="2" name="Titre 1">
+          <p:cNvPr id="4" name="Titre 3">
             <a:extLst>
               <a:ext uri="{FF2B5EF4-FFF2-40B4-BE49-F238E27FC236}">
-                <a16:creationId xmlns:a16="http://schemas.microsoft.com/office/drawing/2014/main" id="{E0CD1573-54EA-4DF0-8084-DB3CE3EA7975}"/>
+                <a16:creationId xmlns:a16="http://schemas.microsoft.com/office/drawing/2014/main" id="{A88030E3-0B16-4C18-9A04-20A1560D639E}"/>
               </a:ext>
             </a:extLst>
           </p:cNvPr>
@@ -8061,16 +8692,9 @@
             <p:ph type="title"/>
           </p:nvPr>
         </p:nvSpPr>
-        <p:spPr>
-          <a:xfrm>
-            <a:off x="810000" y="447188"/>
-            <a:ext cx="10571998" cy="970450"/>
-          </a:xfrm>
-        </p:spPr>
-        <p:txBody>
-          <a:bodyPr vert="horz" lIns="91440" tIns="45720" rIns="91440" bIns="45720" rtlCol="0" anchor="b">
-            <a:normAutofit/>
-          </a:bodyPr>
+        <p:spPr/>
+        <p:txBody>
+          <a:bodyPr/>
           <a:lstStyle/>
           <a:p>
             <a:r>
@@ -8083,122 +8707,79 @@
             </a:r>
             <a:r>
               <a:rPr lang="en-US" dirty="0"/>
-              <a:t> wireframe </a:t>
+              <a:t> Mockup </a:t>
             </a:r>
             <a:r>
               <a:rPr lang="en-US" dirty="0" err="1"/>
-              <a:t>c’est</a:t>
+              <a:t>c’était</a:t>
             </a:r>
             <a:r>
               <a:rPr lang="en-US" dirty="0"/>
               <a:t>:</a:t>
             </a:r>
-          </a:p>
-        </p:txBody>
-      </p:sp>
-      <p:sp>
-        <p:nvSpPr>
-          <p:cNvPr id="11" name="Titre 1">
+            <a:endParaRPr lang="fr-MA" dirty="0"/>
+          </a:p>
+        </p:txBody>
+      </p:sp>
+      <p:pic>
+        <p:nvPicPr>
+          <p:cNvPr id="3" name="Espace réservé du contenu 2">
             <a:extLst>
               <a:ext uri="{FF2B5EF4-FFF2-40B4-BE49-F238E27FC236}">
-                <a16:creationId xmlns:a16="http://schemas.microsoft.com/office/drawing/2014/main" id="{50491BD7-6DAB-48D4-9A6D-59DEC54323F2}"/>
+                <a16:creationId xmlns:a16="http://schemas.microsoft.com/office/drawing/2014/main" id="{5024D3D5-C280-48FA-959A-60F30759C325}"/>
               </a:ext>
             </a:extLst>
           </p:cNvPr>
-          <p:cNvSpPr txBox="1">
-            <a:spLocks/>
-          </p:cNvSpPr>
-          <p:nvPr/>
-        </p:nvSpPr>
+          <p:cNvPicPr>
+            <a:picLocks noGrp="1" noChangeAspect="1"/>
+          </p:cNvPicPr>
+          <p:nvPr>
+            <p:ph idx="1"/>
+          </p:nvPr>
+        </p:nvPicPr>
+        <p:blipFill>
+          <a:blip r:embed="rId2"/>
+          <a:stretch>
+            <a:fillRect/>
+          </a:stretch>
+        </p:blipFill>
         <p:spPr>
           <a:xfrm>
-            <a:off x="0" y="2413000"/>
-            <a:ext cx="8356600" cy="3632200"/>
+            <a:off x="7754072" y="2466340"/>
+            <a:ext cx="4295024" cy="3636963"/>
+          </a:xfrm>
+        </p:spPr>
+      </p:pic>
+      <p:sp>
+        <p:nvSpPr>
+          <p:cNvPr id="7" name="Rectangle 6">
+            <a:extLst>
+              <a:ext uri="{FF2B5EF4-FFF2-40B4-BE49-F238E27FC236}">
+                <a16:creationId xmlns:a16="http://schemas.microsoft.com/office/drawing/2014/main" id="{CE963277-B5D3-486A-BCEA-551E028154A7}"/>
+              </a:ext>
+            </a:extLst>
+          </p:cNvPr>
+          <p:cNvSpPr/>
+          <p:nvPr/>
+        </p:nvSpPr>
+        <p:spPr>
+          <a:xfrm>
+            <a:off x="132520" y="2823844"/>
+            <a:ext cx="7343252" cy="2921954"/>
           </a:xfrm>
           <a:prstGeom prst="rect">
             <a:avLst/>
           </a:prstGeom>
         </p:spPr>
         <p:txBody>
-          <a:bodyPr vert="horz" lIns="91440" tIns="45720" rIns="91440" bIns="45720" rtlCol="0" anchor="ctr">
-            <a:normAutofit fontScale="85000" lnSpcReduction="10000"/>
+          <a:bodyPr wrap="square">
+            <a:spAutoFit/>
           </a:bodyPr>
-          <a:lstStyle>
-            <a:lvl1pPr algn="l" defTabSz="457200" rtl="0" eaLnBrk="1" latinLnBrk="0" hangingPunct="1">
-              <a:spcBef>
-                <a:spcPct val="0"/>
-              </a:spcBef>
-              <a:buNone/>
-              <a:defRPr sz="4000" b="1" kern="1200">
-                <a:solidFill>
-                  <a:srgbClr val="FEFEFE"/>
-                </a:solidFill>
-                <a:latin typeface="+mj-lt"/>
-                <a:ea typeface="+mj-ea"/>
-                <a:cs typeface="+mj-cs"/>
-              </a:defRPr>
-            </a:lvl1pPr>
-            <a:lvl2pPr eaLnBrk="1" hangingPunct="1">
-              <a:defRPr>
-                <a:solidFill>
-                  <a:schemeClr val="tx2"/>
-                </a:solidFill>
-              </a:defRPr>
-            </a:lvl2pPr>
-            <a:lvl3pPr eaLnBrk="1" hangingPunct="1">
-              <a:defRPr>
-                <a:solidFill>
-                  <a:schemeClr val="tx2"/>
-                </a:solidFill>
-              </a:defRPr>
-            </a:lvl3pPr>
-            <a:lvl4pPr eaLnBrk="1" hangingPunct="1">
-              <a:defRPr>
-                <a:solidFill>
-                  <a:schemeClr val="tx2"/>
-                </a:solidFill>
-              </a:defRPr>
-            </a:lvl4pPr>
-            <a:lvl5pPr eaLnBrk="1" hangingPunct="1">
-              <a:defRPr>
-                <a:solidFill>
-                  <a:schemeClr val="tx2"/>
-                </a:solidFill>
-              </a:defRPr>
-            </a:lvl5pPr>
-            <a:lvl6pPr eaLnBrk="1" hangingPunct="1">
-              <a:defRPr>
-                <a:solidFill>
-                  <a:schemeClr val="tx2"/>
-                </a:solidFill>
-              </a:defRPr>
-            </a:lvl6pPr>
-            <a:lvl7pPr eaLnBrk="1" hangingPunct="1">
-              <a:defRPr>
-                <a:solidFill>
-                  <a:schemeClr val="tx2"/>
-                </a:solidFill>
-              </a:defRPr>
-            </a:lvl7pPr>
-            <a:lvl8pPr eaLnBrk="1" hangingPunct="1">
-              <a:defRPr>
-                <a:solidFill>
-                  <a:schemeClr val="tx2"/>
-                </a:solidFill>
-              </a:defRPr>
-            </a:lvl8pPr>
-            <a:lvl9pPr eaLnBrk="1" hangingPunct="1">
-              <a:defRPr>
-                <a:solidFill>
-                  <a:schemeClr val="tx2"/>
-                </a:solidFill>
-              </a:defRPr>
-            </a:lvl9pPr>
-          </a:lstStyle>
+          <a:lstStyle/>
           <a:p>
             <a:pPr marL="457200" indent="-457200">
               <a:lnSpc>
-                <a:spcPct val="160000"/>
+                <a:spcPct val="150000"/>
               </a:lnSpc>
               <a:spcBef>
                 <a:spcPct val="20000"/>
@@ -8213,54 +8794,19 @@
               <a:buChar char="o"/>
             </a:pPr>
             <a:r>
-              <a:rPr lang="en-US" sz="3100" dirty="0" err="1">
-                <a:solidFill>
-                  <a:schemeClr val="tx1"/>
-                </a:solidFill>
-                <a:latin typeface="+mn-lt"/>
-                <a:ea typeface="+mn-ea"/>
-                <a:cs typeface="+mn-cs"/>
-              </a:rPr>
-              <a:t>Maquette</a:t>
-            </a:r>
-            <a:r>
-              <a:rPr lang="en-US" sz="3100" dirty="0">
-                <a:solidFill>
-                  <a:schemeClr val="tx1"/>
-                </a:solidFill>
-                <a:latin typeface="+mn-lt"/>
-                <a:ea typeface="+mn-ea"/>
-                <a:cs typeface="+mn-cs"/>
-              </a:rPr>
-              <a:t> </a:t>
-            </a:r>
-            <a:r>
-              <a:rPr lang="en-US" sz="3100" dirty="0" err="1">
-                <a:solidFill>
-                  <a:schemeClr val="tx1"/>
-                </a:solidFill>
-                <a:latin typeface="+mn-lt"/>
-                <a:ea typeface="+mn-ea"/>
-                <a:cs typeface="+mn-cs"/>
-              </a:rPr>
-              <a:t>basse</a:t>
-            </a:r>
-            <a:r>
-              <a:rPr lang="en-US" sz="3100" dirty="0">
-                <a:solidFill>
-                  <a:schemeClr val="tx1"/>
-                </a:solidFill>
-                <a:latin typeface="+mn-lt"/>
-                <a:ea typeface="+mn-ea"/>
-                <a:cs typeface="+mn-cs"/>
-              </a:rPr>
-              <a:t> definition </a:t>
-            </a:r>
+              <a:rPr lang="en-US" sz="2800" dirty="0"/>
+              <a:t>Un wireframe HTML au format </a:t>
+            </a:r>
+            <a:r>
+              <a:rPr lang="en-US" sz="2800" dirty="0" err="1"/>
+              <a:t>interactif</a:t>
+            </a:r>
+            <a:endParaRPr lang="en-US" sz="2800" dirty="0"/>
           </a:p>
           <a:p>
             <a:pPr marL="457200" indent="-457200">
               <a:lnSpc>
-                <a:spcPct val="160000"/>
+                <a:spcPct val="150000"/>
               </a:lnSpc>
               <a:spcBef>
                 <a:spcPct val="20000"/>
@@ -8275,76 +8821,26 @@
               <a:buChar char="o"/>
             </a:pPr>
             <a:r>
-              <a:rPr lang="en-US" sz="3100" dirty="0" err="1">
-                <a:solidFill>
-                  <a:schemeClr val="tx1"/>
-                </a:solidFill>
-                <a:latin typeface="+mn-lt"/>
-                <a:ea typeface="+mn-ea"/>
-                <a:cs typeface="+mn-cs"/>
-              </a:rPr>
-              <a:t>Organiser</a:t>
-            </a:r>
-            <a:r>
-              <a:rPr lang="en-US" sz="3100" dirty="0">
-                <a:solidFill>
-                  <a:schemeClr val="tx1"/>
-                </a:solidFill>
-                <a:latin typeface="+mn-lt"/>
-                <a:ea typeface="+mn-ea"/>
-                <a:cs typeface="+mn-cs"/>
-              </a:rPr>
-              <a:t> les </a:t>
-            </a:r>
-            <a:r>
-              <a:rPr lang="en-US" sz="3100" dirty="0" err="1">
-                <a:solidFill>
-                  <a:schemeClr val="tx1"/>
-                </a:solidFill>
-                <a:latin typeface="+mn-lt"/>
-                <a:ea typeface="+mn-ea"/>
-                <a:cs typeface="+mn-cs"/>
-              </a:rPr>
-              <a:t>différents</a:t>
-            </a:r>
-            <a:r>
-              <a:rPr lang="en-US" sz="3100" dirty="0">
-                <a:solidFill>
-                  <a:schemeClr val="tx1"/>
-                </a:solidFill>
-                <a:latin typeface="+mn-lt"/>
-                <a:ea typeface="+mn-ea"/>
-                <a:cs typeface="+mn-cs"/>
-              </a:rPr>
-              <a:t> </a:t>
-            </a:r>
-            <a:r>
-              <a:rPr lang="en-US" sz="3100" dirty="0" err="1">
-                <a:solidFill>
-                  <a:schemeClr val="tx1"/>
-                </a:solidFill>
-                <a:latin typeface="+mn-lt"/>
-                <a:ea typeface="+mn-ea"/>
-                <a:cs typeface="+mn-cs"/>
-              </a:rPr>
-              <a:t>éléments</a:t>
-            </a:r>
-            <a:r>
-              <a:rPr lang="en-US" sz="3100" dirty="0">
-                <a:solidFill>
-                  <a:schemeClr val="tx1"/>
-                </a:solidFill>
-                <a:latin typeface="+mn-lt"/>
-                <a:ea typeface="+mn-ea"/>
-                <a:cs typeface="+mn-cs"/>
-              </a:rPr>
-              <a:t> et forms</a:t>
-            </a:r>
-          </a:p>
-          <a:p>
-            <a:pPr marL="457200" indent="-457200">
+              <a:rPr lang="en-US" sz="2800" dirty="0" err="1"/>
+              <a:t>Aujourd’hui</a:t>
+            </a:r>
+            <a:r>
+              <a:rPr lang="en-US" sz="2800" dirty="0"/>
+              <a:t> un mockup </a:t>
+            </a:r>
+            <a:r>
+              <a:rPr lang="en-US" sz="2800" dirty="0" err="1"/>
+              <a:t>c’est</a:t>
+            </a:r>
+            <a:r>
+              <a:rPr lang="en-US" sz="2800" dirty="0"/>
+              <a:t> : </a:t>
+            </a:r>
+          </a:p>
+          <a:p>
+            <a:pPr>
               <a:lnSpc>
-                <a:spcPct val="160000"/>
+                <a:spcPct val="150000"/>
               </a:lnSpc>
               <a:spcBef>
                 <a:spcPct val="20000"/>
@@ -8355,277 +8851,55 @@
               <a:buClr>
                 <a:schemeClr val="accent1"/>
               </a:buClr>
-              <a:buFont typeface="Courier New" panose="02070309020205020404" pitchFamily="49" charset="0"/>
-              <a:buChar char="o"/>
             </a:pPr>
             <a:r>
-              <a:rPr lang="en-US" sz="3100" dirty="0" err="1">
-                <a:solidFill>
-                  <a:schemeClr val="tx1"/>
-                </a:solidFill>
-                <a:latin typeface="+mn-lt"/>
-                <a:ea typeface="+mn-ea"/>
-                <a:cs typeface="+mn-cs"/>
-              </a:rPr>
-              <a:t>Orienté</a:t>
-            </a:r>
-            <a:r>
-              <a:rPr lang="en-US" sz="3100" dirty="0">
-                <a:solidFill>
-                  <a:schemeClr val="tx1"/>
-                </a:solidFill>
-                <a:latin typeface="+mn-lt"/>
-                <a:ea typeface="+mn-ea"/>
-                <a:cs typeface="+mn-cs"/>
-              </a:rPr>
+              <a:rPr lang="en-US" sz="2800" dirty="0"/>
+              <a:t>Un </a:t>
+            </a:r>
+            <a:r>
+              <a:rPr lang="en-US" sz="2800" dirty="0" err="1"/>
+              <a:t>modèle</a:t>
+            </a:r>
+            <a:r>
+              <a:rPr lang="en-US" sz="2800" dirty="0"/>
               <a:t> </a:t>
             </a:r>
             <a:r>
-              <a:rPr lang="en-US" sz="3100" dirty="0" err="1">
-                <a:solidFill>
-                  <a:schemeClr val="tx1"/>
-                </a:solidFill>
-                <a:latin typeface="+mn-lt"/>
-                <a:ea typeface="+mn-ea"/>
-                <a:cs typeface="+mn-cs"/>
-              </a:rPr>
-              <a:t>réflexion</a:t>
-            </a:r>
-            <a:r>
-              <a:rPr lang="en-US" sz="3100" dirty="0">
-                <a:solidFill>
-                  <a:schemeClr val="tx1"/>
-                </a:solidFill>
-                <a:latin typeface="+mn-lt"/>
-                <a:ea typeface="+mn-ea"/>
-                <a:cs typeface="+mn-cs"/>
-              </a:rPr>
+              <a:rPr lang="en-US" sz="2800" dirty="0" err="1"/>
+              <a:t>d’une</a:t>
+            </a:r>
+            <a:r>
+              <a:rPr lang="en-US" sz="2800" dirty="0"/>
+              <a:t> interface </a:t>
+            </a:r>
+            <a:r>
+              <a:rPr lang="en-US" sz="2800" dirty="0" err="1"/>
+              <a:t>utilisateur</a:t>
+            </a:r>
+            <a:r>
+              <a:rPr lang="en-US" sz="2800" dirty="0"/>
               <a:t> </a:t>
             </a:r>
             <a:r>
-              <a:rPr lang="en-US" sz="3100" dirty="0" err="1">
-                <a:solidFill>
-                  <a:schemeClr val="tx1"/>
-                </a:solidFill>
-                <a:latin typeface="+mn-lt"/>
-                <a:ea typeface="+mn-ea"/>
-                <a:cs typeface="+mn-cs"/>
-              </a:rPr>
-              <a:t>en</a:t>
-            </a:r>
-            <a:r>
-              <a:rPr lang="en-US" sz="3100" dirty="0">
-                <a:solidFill>
-                  <a:schemeClr val="tx1"/>
-                </a:solidFill>
-                <a:latin typeface="+mn-lt"/>
-                <a:ea typeface="+mn-ea"/>
-                <a:cs typeface="+mn-cs"/>
-              </a:rPr>
-              <a:t> </a:t>
-            </a:r>
-            <a:r>
-              <a:rPr lang="en-US" sz="3100" dirty="0" err="1">
-                <a:solidFill>
-                  <a:schemeClr val="tx1"/>
-                </a:solidFill>
-                <a:latin typeface="+mn-lt"/>
-                <a:ea typeface="+mn-ea"/>
-                <a:cs typeface="+mn-cs"/>
-              </a:rPr>
-              <a:t>respectant</a:t>
-            </a:r>
-            <a:r>
-              <a:rPr lang="en-US" sz="3100" dirty="0">
-                <a:solidFill>
-                  <a:schemeClr val="tx1"/>
-                </a:solidFill>
-                <a:latin typeface="+mn-lt"/>
-                <a:ea typeface="+mn-ea"/>
-                <a:cs typeface="+mn-cs"/>
-              </a:rPr>
-              <a:t> </a:t>
-            </a:r>
-            <a:r>
-              <a:rPr lang="en-US" sz="3100" dirty="0" err="1">
-                <a:solidFill>
-                  <a:schemeClr val="tx1"/>
-                </a:solidFill>
-                <a:latin typeface="+mn-lt"/>
-                <a:ea typeface="+mn-ea"/>
-                <a:cs typeface="+mn-cs"/>
-              </a:rPr>
-              <a:t>l’ergonomie</a:t>
-            </a:r>
-            <a:endParaRPr lang="en-US" sz="3100" dirty="0">
-              <a:solidFill>
-                <a:schemeClr val="tx1"/>
-              </a:solidFill>
-              <a:latin typeface="+mn-lt"/>
-              <a:ea typeface="+mn-ea"/>
-              <a:cs typeface="+mn-cs"/>
-            </a:endParaRPr>
-          </a:p>
-          <a:p>
-            <a:pPr marL="457200" indent="-457200">
-              <a:lnSpc>
-                <a:spcPct val="160000"/>
-              </a:lnSpc>
-              <a:spcBef>
-                <a:spcPct val="20000"/>
-              </a:spcBef>
-              <a:spcAft>
-                <a:spcPts val="600"/>
-              </a:spcAft>
-              <a:buClr>
-                <a:schemeClr val="accent1"/>
-              </a:buClr>
-              <a:buFont typeface="Courier New" panose="02070309020205020404" pitchFamily="49" charset="0"/>
-              <a:buChar char="o"/>
-            </a:pPr>
-            <a:r>
-              <a:rPr lang="en-US" sz="3100" dirty="0" err="1">
-                <a:solidFill>
-                  <a:schemeClr val="tx1"/>
-                </a:solidFill>
-                <a:latin typeface="+mn-lt"/>
-                <a:ea typeface="+mn-ea"/>
-                <a:cs typeface="+mn-cs"/>
-              </a:rPr>
-              <a:t>Présenter</a:t>
-            </a:r>
-            <a:r>
-              <a:rPr lang="en-US" sz="3100" dirty="0">
-                <a:solidFill>
-                  <a:schemeClr val="tx1"/>
-                </a:solidFill>
-                <a:latin typeface="+mn-lt"/>
-                <a:ea typeface="+mn-ea"/>
-                <a:cs typeface="+mn-cs"/>
-              </a:rPr>
-              <a:t> </a:t>
-            </a:r>
-            <a:r>
-              <a:rPr lang="en-US" sz="3100" dirty="0" err="1">
-                <a:solidFill>
-                  <a:schemeClr val="tx1"/>
-                </a:solidFill>
-                <a:latin typeface="+mn-lt"/>
-                <a:ea typeface="+mn-ea"/>
-                <a:cs typeface="+mn-cs"/>
-              </a:rPr>
-              <a:t>l’ensemble</a:t>
-            </a:r>
-            <a:r>
-              <a:rPr lang="en-US" sz="3100" dirty="0">
-                <a:solidFill>
-                  <a:schemeClr val="tx1"/>
-                </a:solidFill>
-                <a:latin typeface="+mn-lt"/>
-                <a:ea typeface="+mn-ea"/>
-                <a:cs typeface="+mn-cs"/>
-              </a:rPr>
-              <a:t> des </a:t>
-            </a:r>
-            <a:r>
-              <a:rPr lang="en-US" sz="3100" dirty="0" err="1">
-                <a:solidFill>
-                  <a:schemeClr val="tx1"/>
-                </a:solidFill>
-                <a:latin typeface="+mn-lt"/>
-                <a:ea typeface="+mn-ea"/>
-                <a:cs typeface="+mn-cs"/>
-              </a:rPr>
-              <a:t>fonctionnalités</a:t>
-            </a:r>
-            <a:r>
-              <a:rPr lang="en-US" sz="3100" dirty="0">
-                <a:solidFill>
-                  <a:schemeClr val="tx1"/>
-                </a:solidFill>
-                <a:latin typeface="+mn-lt"/>
-                <a:ea typeface="+mn-ea"/>
-                <a:cs typeface="+mn-cs"/>
-              </a:rPr>
-              <a:t> et les specifications qui </a:t>
-            </a:r>
-            <a:r>
-              <a:rPr lang="en-US" sz="3100" dirty="0" err="1">
-                <a:solidFill>
-                  <a:schemeClr val="tx1"/>
-                </a:solidFill>
-                <a:latin typeface="+mn-lt"/>
-                <a:ea typeface="+mn-ea"/>
-                <a:cs typeface="+mn-cs"/>
-              </a:rPr>
-              <a:t>sont</a:t>
-            </a:r>
-            <a:r>
-              <a:rPr lang="en-US" sz="3100" dirty="0">
-                <a:solidFill>
-                  <a:schemeClr val="tx1"/>
-                </a:solidFill>
-                <a:latin typeface="+mn-lt"/>
-                <a:ea typeface="+mn-ea"/>
-                <a:cs typeface="+mn-cs"/>
-              </a:rPr>
-              <a:t> </a:t>
-            </a:r>
-            <a:r>
-              <a:rPr lang="en-US" sz="3100" dirty="0" err="1">
-                <a:solidFill>
-                  <a:schemeClr val="tx1"/>
-                </a:solidFill>
-                <a:latin typeface="+mn-lt"/>
-                <a:ea typeface="+mn-ea"/>
-                <a:cs typeface="+mn-cs"/>
-              </a:rPr>
-              <a:t>associées</a:t>
-            </a:r>
-            <a:endParaRPr lang="en-US" sz="3100" dirty="0">
-              <a:solidFill>
-                <a:schemeClr val="tx1"/>
-              </a:solidFill>
-              <a:latin typeface="+mn-lt"/>
-              <a:ea typeface="+mn-ea"/>
-              <a:cs typeface="+mn-cs"/>
-            </a:endParaRPr>
-          </a:p>
-        </p:txBody>
-      </p:sp>
-      <p:pic>
-        <p:nvPicPr>
-          <p:cNvPr id="7" name="Espace réservé du contenu 6" descr="Une image contenant texte, carte&#10;&#10;Description générée automatiquement">
-            <a:extLst>
-              <a:ext uri="{FF2B5EF4-FFF2-40B4-BE49-F238E27FC236}">
-                <a16:creationId xmlns:a16="http://schemas.microsoft.com/office/drawing/2014/main" id="{A7C403BD-5216-43B5-AE6E-22AD982CF08E}"/>
-              </a:ext>
-            </a:extLst>
-          </p:cNvPr>
-          <p:cNvPicPr>
-            <a:picLocks noGrp="1" noChangeAspect="1"/>
-          </p:cNvPicPr>
-          <p:nvPr>
-            <p:ph idx="1"/>
-          </p:nvPr>
-        </p:nvPicPr>
-        <p:blipFill>
-          <a:blip r:embed="rId2"/>
-          <a:stretch>
-            <a:fillRect/>
-          </a:stretch>
-        </p:blipFill>
-        <p:spPr>
-          <a:xfrm>
-            <a:off x="8198933" y="2583162"/>
-            <a:ext cx="3891467" cy="3462038"/>
-          </a:xfrm>
-        </p:spPr>
-      </p:pic>
+              <a:rPr lang="en-US" sz="2800" dirty="0" err="1"/>
+              <a:t>présenté</a:t>
+            </a:r>
+            <a:r>
+              <a:rPr lang="en-US" sz="2800" dirty="0"/>
+              <a:t> dans la vie </a:t>
+            </a:r>
+            <a:r>
+              <a:rPr lang="en-US" sz="2800" dirty="0" err="1"/>
+              <a:t>réelle</a:t>
+            </a:r>
+            <a:endParaRPr lang="en-US" sz="2800" dirty="0"/>
+          </a:p>
+        </p:txBody>
+      </p:sp>
     </p:spTree>
     <p:extLst>
       <p:ext uri="{BB962C8B-B14F-4D97-AF65-F5344CB8AC3E}">
-        <p14:creationId xmlns:p14="http://schemas.microsoft.com/office/powerpoint/2010/main" val="98254707"/>
+        <p14:creationId xmlns:p14="http://schemas.microsoft.com/office/powerpoint/2010/main" val="3846080761"/>
       </p:ext>
     </p:extLst>
   </p:cSld>
@@ -8635,7 +8909,7 @@
 </p:sld>
 </file>
 
-<file path=ppt/slides/slide6.xml><?xml version="1.0" encoding="utf-8"?>
+<file path=ppt/slides/slide8.xml><?xml version="1.0" encoding="utf-8"?>
 <p:sld xmlns:a="http://schemas.openxmlformats.org/drawingml/2006/main" xmlns:r="http://schemas.openxmlformats.org/officeDocument/2006/relationships" xmlns:p="http://schemas.openxmlformats.org/presentationml/2006/main">
   <p:cSld>
     <p:bg>
@@ -8933,692 +9207,7 @@
           <a:effectLst/>
           <a:extLst>
             <a:ext uri="{91240B29-F687-4f45-9708-019B960494DF}">
-              <a14:hiddenLine xmlns:a16="http://schemas.microsoft.com/office/drawing/2014/main" xmlns:p14="http://schemas.microsoft.com/office/powerpoint/2010/main" xmlns:a14="http://schemas.microsoft.com/office/drawing/2010/main" xmlns="" w="9525">
-                <a:solidFill>
-                  <a:srgbClr val="000000"/>
-                </a:solidFill>
-                <a:round/>
-                <a:headEnd/>
-                <a:tailEnd/>
-              </a14:hiddenLine>
-            </a:ext>
-          </a:extLst>
-        </p:spPr>
-        <p:style>
-          <a:lnRef idx="1">
-            <a:schemeClr val="accent1"/>
-          </a:lnRef>
-          <a:fillRef idx="3">
-            <a:schemeClr val="accent1"/>
-          </a:fillRef>
-          <a:effectRef idx="2">
-            <a:schemeClr val="accent1"/>
-          </a:effectRef>
-          <a:fontRef idx="minor">
-            <a:schemeClr val="lt1"/>
-          </a:fontRef>
-        </p:style>
-      </p:sp>
-      <p:sp>
-        <p:nvSpPr>
-          <p:cNvPr id="2" name="Titre 1">
-            <a:extLst>
-              <a:ext uri="{FF2B5EF4-FFF2-40B4-BE49-F238E27FC236}">
-                <a16:creationId xmlns:a16="http://schemas.microsoft.com/office/drawing/2014/main" id="{6509ECF4-24A5-4498-B1B2-A6533913F495}"/>
-              </a:ext>
-            </a:extLst>
-          </p:cNvPr>
-          <p:cNvSpPr>
-            <a:spLocks noGrp="1"/>
-          </p:cNvSpPr>
-          <p:nvPr>
-            <p:ph type="title"/>
-          </p:nvPr>
-        </p:nvSpPr>
-        <p:spPr>
-          <a:xfrm>
-            <a:off x="451515" y="1734857"/>
-            <a:ext cx="4689828" cy="3388287"/>
-          </a:xfrm>
-        </p:spPr>
-        <p:txBody>
-          <a:bodyPr anchor="ctr">
-            <a:normAutofit/>
-          </a:bodyPr>
-          <a:lstStyle/>
-          <a:p>
-            <a:pPr fontAlgn="base"/>
-            <a:r>
-              <a:rPr lang="fr-MA" dirty="0"/>
-              <a:t>Qu’est-ce qu’un </a:t>
-            </a:r>
-            <a:r>
-              <a:rPr lang="fr-MA" dirty="0" err="1"/>
-              <a:t>Mockup</a:t>
-            </a:r>
-            <a:r>
-              <a:rPr lang="fr-MA" b="0" dirty="0"/>
-              <a:t> </a:t>
-            </a:r>
-            <a:r>
-              <a:rPr lang="fr-MA" dirty="0"/>
-              <a:t>?</a:t>
-            </a:r>
-          </a:p>
-        </p:txBody>
-      </p:sp>
-      <p:sp>
-        <p:nvSpPr>
-          <p:cNvPr id="3" name="Espace réservé du contenu 2">
-            <a:extLst>
-              <a:ext uri="{FF2B5EF4-FFF2-40B4-BE49-F238E27FC236}">
-                <a16:creationId xmlns:a16="http://schemas.microsoft.com/office/drawing/2014/main" id="{070E90AD-5A01-4E25-8709-314B95E1A478}"/>
-              </a:ext>
-            </a:extLst>
-          </p:cNvPr>
-          <p:cNvSpPr>
-            <a:spLocks noGrp="1"/>
-          </p:cNvSpPr>
-          <p:nvPr>
-            <p:ph idx="1"/>
-          </p:nvPr>
-        </p:nvSpPr>
-        <p:spPr>
-          <a:xfrm>
-            <a:off x="5556552" y="103516"/>
-            <a:ext cx="6635448" cy="6650966"/>
-          </a:xfrm>
-          <a:effectLst/>
-        </p:spPr>
-        <p:txBody>
-          <a:bodyPr>
-            <a:normAutofit/>
-          </a:bodyPr>
-          <a:lstStyle/>
-          <a:p>
-            <a:pPr fontAlgn="base">
-              <a:lnSpc>
-                <a:spcPct val="150000"/>
-              </a:lnSpc>
-            </a:pPr>
-            <a:r>
-              <a:rPr lang="fr-FR" sz="2000" dirty="0"/>
-              <a:t>Un </a:t>
-            </a:r>
-            <a:r>
-              <a:rPr lang="fr-FR" sz="2000" b="1" dirty="0" err="1"/>
-              <a:t>mockup</a:t>
-            </a:r>
-            <a:r>
-              <a:rPr lang="fr-FR" sz="2000" dirty="0"/>
-              <a:t> est une image d’interface qui a été transformée en page HTML dynamique et navigable (opération réalisée via des logiciels de conception d’interfaces). Ce nouveau format autorise l’insertion de liens vers des pages notamment. Il permet aussi de rendre un formulaire fonctionnel afin d’effectuer des simulations. Grâce à l’intégration des exigences techniques, les messages de confirmation ou d’erreur apparaissent. Autant d’actions, qui, même si elles restent sommaires, sont utiles au client pour se projeter davantage.</a:t>
-            </a:r>
-            <a:endParaRPr lang="fr-FR" sz="2400" dirty="0"/>
-          </a:p>
-        </p:txBody>
-      </p:sp>
-    </p:spTree>
-    <p:extLst>
-      <p:ext uri="{BB962C8B-B14F-4D97-AF65-F5344CB8AC3E}">
-        <p14:creationId xmlns:p14="http://schemas.microsoft.com/office/powerpoint/2010/main" val="4208173453"/>
-      </p:ext>
-    </p:extLst>
-  </p:cSld>
-  <p:clrMapOvr>
-    <a:masterClrMapping/>
-  </p:clrMapOvr>
-</p:sld>
-</file>
-
-<file path=ppt/slides/slide7.xml><?xml version="1.0" encoding="utf-8"?>
-<p:sld xmlns:a="http://schemas.openxmlformats.org/drawingml/2006/main" xmlns:r="http://schemas.openxmlformats.org/officeDocument/2006/relationships" xmlns:p="http://schemas.openxmlformats.org/presentationml/2006/main">
-  <p:cSld>
-    <p:spTree>
-      <p:nvGrpSpPr>
-        <p:cNvPr id="1" name=""/>
-        <p:cNvGrpSpPr/>
-        <p:nvPr/>
-      </p:nvGrpSpPr>
-      <p:grpSpPr>
-        <a:xfrm>
-          <a:off x="0" y="0"/>
-          <a:ext cx="0" cy="0"/>
-          <a:chOff x="0" y="0"/>
-          <a:chExt cx="0" cy="0"/>
-        </a:xfrm>
-      </p:grpSpPr>
-      <p:sp>
-        <p:nvSpPr>
-          <p:cNvPr id="4" name="Titre 3">
-            <a:extLst>
-              <a:ext uri="{FF2B5EF4-FFF2-40B4-BE49-F238E27FC236}">
-                <a16:creationId xmlns:a16="http://schemas.microsoft.com/office/drawing/2014/main" id="{A88030E3-0B16-4C18-9A04-20A1560D639E}"/>
-              </a:ext>
-            </a:extLst>
-          </p:cNvPr>
-          <p:cNvSpPr>
-            <a:spLocks noGrp="1"/>
-          </p:cNvSpPr>
-          <p:nvPr>
-            <p:ph type="title"/>
-          </p:nvPr>
-        </p:nvSpPr>
-        <p:spPr/>
-        <p:txBody>
-          <a:bodyPr/>
-          <a:lstStyle/>
-          <a:p>
-            <a:r>
-              <a:rPr lang="en-US" dirty="0"/>
-              <a:t>Pour </a:t>
-            </a:r>
-            <a:r>
-              <a:rPr lang="en-US" dirty="0" err="1"/>
-              <a:t>résumer,un</a:t>
-            </a:r>
-            <a:r>
-              <a:rPr lang="en-US" dirty="0"/>
-              <a:t> Mockup </a:t>
-            </a:r>
-            <a:r>
-              <a:rPr lang="en-US" dirty="0" err="1"/>
-              <a:t>c’était</a:t>
-            </a:r>
-            <a:r>
-              <a:rPr lang="en-US" dirty="0"/>
-              <a:t>:</a:t>
-            </a:r>
-            <a:endParaRPr lang="fr-MA" dirty="0"/>
-          </a:p>
-        </p:txBody>
-      </p:sp>
-      <p:pic>
-        <p:nvPicPr>
-          <p:cNvPr id="3" name="Espace réservé du contenu 2">
-            <a:extLst>
-              <a:ext uri="{FF2B5EF4-FFF2-40B4-BE49-F238E27FC236}">
-                <a16:creationId xmlns:a16="http://schemas.microsoft.com/office/drawing/2014/main" id="{5024D3D5-C280-48FA-959A-60F30759C325}"/>
-              </a:ext>
-            </a:extLst>
-          </p:cNvPr>
-          <p:cNvPicPr>
-            <a:picLocks noGrp="1" noChangeAspect="1"/>
-          </p:cNvPicPr>
-          <p:nvPr>
-            <p:ph idx="1"/>
-          </p:nvPr>
-        </p:nvPicPr>
-        <p:blipFill>
-          <a:blip r:embed="rId2"/>
-          <a:stretch>
-            <a:fillRect/>
-          </a:stretch>
-        </p:blipFill>
-        <p:spPr>
-          <a:xfrm>
-            <a:off x="7754072" y="2466340"/>
-            <a:ext cx="4295024" cy="3636963"/>
-          </a:xfrm>
-        </p:spPr>
-      </p:pic>
-      <p:sp>
-        <p:nvSpPr>
-          <p:cNvPr id="7" name="Rectangle 6">
-            <a:extLst>
-              <a:ext uri="{FF2B5EF4-FFF2-40B4-BE49-F238E27FC236}">
-                <a16:creationId xmlns:a16="http://schemas.microsoft.com/office/drawing/2014/main" id="{CE963277-B5D3-486A-BCEA-551E028154A7}"/>
-              </a:ext>
-            </a:extLst>
-          </p:cNvPr>
-          <p:cNvSpPr/>
-          <p:nvPr/>
-        </p:nvSpPr>
-        <p:spPr>
-          <a:xfrm>
-            <a:off x="132520" y="2823844"/>
-            <a:ext cx="7343252" cy="2921954"/>
-          </a:xfrm>
-          <a:prstGeom prst="rect">
-            <a:avLst/>
-          </a:prstGeom>
-        </p:spPr>
-        <p:txBody>
-          <a:bodyPr wrap="square">
-            <a:spAutoFit/>
-          </a:bodyPr>
-          <a:lstStyle/>
-          <a:p>
-            <a:pPr marL="457200" indent="-457200">
-              <a:lnSpc>
-                <a:spcPct val="150000"/>
-              </a:lnSpc>
-              <a:spcBef>
-                <a:spcPct val="20000"/>
-              </a:spcBef>
-              <a:spcAft>
-                <a:spcPts val="600"/>
-              </a:spcAft>
-              <a:buClr>
-                <a:schemeClr val="accent1"/>
-              </a:buClr>
-              <a:buFont typeface="Courier New" panose="02070309020205020404" pitchFamily="49" charset="0"/>
-              <a:buChar char="o"/>
-            </a:pPr>
-            <a:r>
-              <a:rPr lang="en-US" sz="2800" dirty="0"/>
-              <a:t>Un wireframe HTML au format </a:t>
-            </a:r>
-            <a:r>
-              <a:rPr lang="en-US" sz="2800" dirty="0" err="1"/>
-              <a:t>interactif</a:t>
-            </a:r>
-            <a:endParaRPr lang="en-US" sz="2800" dirty="0"/>
-          </a:p>
-          <a:p>
-            <a:pPr marL="457200" indent="-457200">
-              <a:lnSpc>
-                <a:spcPct val="150000"/>
-              </a:lnSpc>
-              <a:spcBef>
-                <a:spcPct val="20000"/>
-              </a:spcBef>
-              <a:spcAft>
-                <a:spcPts val="600"/>
-              </a:spcAft>
-              <a:buClr>
-                <a:schemeClr val="accent1"/>
-              </a:buClr>
-              <a:buFont typeface="Courier New" panose="02070309020205020404" pitchFamily="49" charset="0"/>
-              <a:buChar char="o"/>
-            </a:pPr>
-            <a:r>
-              <a:rPr lang="en-US" sz="2800" dirty="0" err="1"/>
-              <a:t>Aujourd’hui</a:t>
-            </a:r>
-            <a:r>
-              <a:rPr lang="en-US" sz="2800" dirty="0"/>
-              <a:t> un mockup </a:t>
-            </a:r>
-            <a:r>
-              <a:rPr lang="en-US" sz="2800" dirty="0" err="1"/>
-              <a:t>c’est</a:t>
-            </a:r>
-            <a:r>
-              <a:rPr lang="en-US" sz="2800" dirty="0"/>
-              <a:t> : </a:t>
-            </a:r>
-          </a:p>
-          <a:p>
-            <a:pPr>
-              <a:lnSpc>
-                <a:spcPct val="150000"/>
-              </a:lnSpc>
-              <a:spcBef>
-                <a:spcPct val="20000"/>
-              </a:spcBef>
-              <a:spcAft>
-                <a:spcPts val="600"/>
-              </a:spcAft>
-              <a:buClr>
-                <a:schemeClr val="accent1"/>
-              </a:buClr>
-            </a:pPr>
-            <a:r>
-              <a:rPr lang="en-US" sz="2800" dirty="0"/>
-              <a:t>Un </a:t>
-            </a:r>
-            <a:r>
-              <a:rPr lang="en-US" sz="2800" dirty="0" err="1"/>
-              <a:t>modèle</a:t>
-            </a:r>
-            <a:r>
-              <a:rPr lang="en-US" sz="2800" dirty="0"/>
-              <a:t> </a:t>
-            </a:r>
-            <a:r>
-              <a:rPr lang="en-US" sz="2800" dirty="0" err="1"/>
-              <a:t>d’une</a:t>
-            </a:r>
-            <a:r>
-              <a:rPr lang="en-US" sz="2800" dirty="0"/>
-              <a:t> interface </a:t>
-            </a:r>
-            <a:r>
-              <a:rPr lang="en-US" sz="2800" dirty="0" err="1"/>
-              <a:t>utilisateur</a:t>
-            </a:r>
-            <a:r>
-              <a:rPr lang="en-US" sz="2800" dirty="0"/>
-              <a:t> </a:t>
-            </a:r>
-            <a:r>
-              <a:rPr lang="en-US" sz="2800" dirty="0" err="1"/>
-              <a:t>présenté</a:t>
-            </a:r>
-            <a:r>
-              <a:rPr lang="en-US" sz="2800" dirty="0"/>
-              <a:t> dans la vie </a:t>
-            </a:r>
-            <a:r>
-              <a:rPr lang="en-US" sz="2800" dirty="0" err="1"/>
-              <a:t>réelle</a:t>
-            </a:r>
-            <a:endParaRPr lang="en-US" sz="2800" dirty="0"/>
-          </a:p>
-        </p:txBody>
-      </p:sp>
-    </p:spTree>
-    <p:extLst>
-      <p:ext uri="{BB962C8B-B14F-4D97-AF65-F5344CB8AC3E}">
-        <p14:creationId xmlns:p14="http://schemas.microsoft.com/office/powerpoint/2010/main" val="3846080761"/>
-      </p:ext>
-    </p:extLst>
-  </p:cSld>
-  <p:clrMapOvr>
-    <a:masterClrMapping/>
-  </p:clrMapOvr>
-</p:sld>
-</file>
-
-<file path=ppt/slides/slide8.xml><?xml version="1.0" encoding="utf-8"?>
-<p:sld xmlns:a="http://schemas.openxmlformats.org/drawingml/2006/main" xmlns:r="http://schemas.openxmlformats.org/officeDocument/2006/relationships" xmlns:p="http://schemas.openxmlformats.org/presentationml/2006/main">
-  <p:cSld>
-    <p:bg>
-      <p:bgPr>
-        <a:solidFill>
-          <a:schemeClr val="bg2"/>
-        </a:solidFill>
-        <a:effectLst/>
-      </p:bgPr>
-    </p:bg>
-    <p:spTree>
-      <p:nvGrpSpPr>
-        <p:cNvPr id="1" name=""/>
-        <p:cNvGrpSpPr/>
-        <p:nvPr/>
-      </p:nvGrpSpPr>
-      <p:grpSpPr>
-        <a:xfrm>
-          <a:off x="0" y="0"/>
-          <a:ext cx="0" cy="0"/>
-          <a:chOff x="0" y="0"/>
-          <a:chExt cx="0" cy="0"/>
-        </a:xfrm>
-      </p:grpSpPr>
-      <p:sp useBgFill="1">
-        <p:nvSpPr>
-          <p:cNvPr id="8" name="Rectangle 7">
-            <a:extLst>
-              <a:ext uri="{FF2B5EF4-FFF2-40B4-BE49-F238E27FC236}">
-                <a16:creationId xmlns:a16="http://schemas.microsoft.com/office/drawing/2014/main" id="{089A69AF-D57B-49B4-886C-D4A5DC194421}"/>
-              </a:ext>
-              <a:ext uri="{C183D7F6-B498-43B3-948B-1728B52AA6E4}">
-                <adec:decorative xmlns:adec="http://schemas.microsoft.com/office/drawing/2017/decorative" val="1"/>
-              </a:ext>
-            </a:extLst>
-          </p:cNvPr>
-          <p:cNvSpPr>
-            <a:spLocks noGrp="1" noRot="1" noChangeAspect="1" noMove="1" noResize="1" noEditPoints="1" noAdjustHandles="1" noChangeArrowheads="1" noChangeShapeType="1" noTextEdit="1"/>
-          </p:cNvSpPr>
-          <p:nvPr>
-            <p:extLst>
-              <p:ext uri="{386F3935-93C4-4BCD-93E2-E3B085C9AB24}">
-                <p16:designElem xmlns:p16="http://schemas.microsoft.com/office/powerpoint/2015/main" val="1"/>
-              </p:ext>
-            </p:extLst>
-          </p:nvPr>
-        </p:nvSpPr>
-        <p:spPr>
-          <a:xfrm>
-            <a:off x="0" y="0"/>
-            <a:ext cx="12192000" cy="6858000"/>
-          </a:xfrm>
-          <a:prstGeom prst="rect">
-            <a:avLst/>
-          </a:prstGeom>
-          <a:ln>
-            <a:noFill/>
-          </a:ln>
-        </p:spPr>
-        <p:style>
-          <a:lnRef idx="2">
-            <a:schemeClr val="accent1">
-              <a:shade val="50000"/>
-            </a:schemeClr>
-          </a:lnRef>
-          <a:fillRef idx="1">
-            <a:schemeClr val="accent1"/>
-          </a:fillRef>
-          <a:effectRef idx="0">
-            <a:schemeClr val="accent1"/>
-          </a:effectRef>
-          <a:fontRef idx="minor">
-            <a:schemeClr val="lt1"/>
-          </a:fontRef>
-        </p:style>
-        <p:txBody>
-          <a:bodyPr rtlCol="0" anchor="ctr"/>
-          <a:lstStyle/>
-          <a:p>
-            <a:pPr algn="ctr"/>
-            <a:endParaRPr lang="en-US"/>
-          </a:p>
-        </p:txBody>
-      </p:sp>
-      <p:sp>
-        <p:nvSpPr>
-          <p:cNvPr id="10" name="Freeform: Shape 9">
-            <a:extLst>
-              <a:ext uri="{FF2B5EF4-FFF2-40B4-BE49-F238E27FC236}">
-                <a16:creationId xmlns:a16="http://schemas.microsoft.com/office/drawing/2014/main" id="{CABDC08D-6093-4397-92D4-54D00E2BB1C2}"/>
-              </a:ext>
-              <a:ext uri="{C183D7F6-B498-43B3-948B-1728B52AA6E4}">
-                <adec:decorative xmlns:adec="http://schemas.microsoft.com/office/drawing/2017/decorative" val="1"/>
-              </a:ext>
-            </a:extLst>
-          </p:cNvPr>
-          <p:cNvSpPr>
-            <a:spLocks noGrp="1" noRot="1" noChangeAspect="1" noMove="1" noResize="1" noEditPoints="1" noAdjustHandles="1" noChangeArrowheads="1" noChangeShapeType="1" noTextEdit="1"/>
-          </p:cNvSpPr>
-          <p:nvPr>
-            <p:extLst>
-              <p:ext uri="{386F3935-93C4-4BCD-93E2-E3B085C9AB24}">
-                <p16:designElem xmlns:p16="http://schemas.microsoft.com/office/powerpoint/2015/main" val="1"/>
-              </p:ext>
-            </p:extLst>
-          </p:nvPr>
-        </p:nvSpPr>
-        <p:spPr bwMode="auto">
-          <a:xfrm rot="16200000">
-            <a:off x="-650724" y="650724"/>
-            <a:ext cx="6858000" cy="5556552"/>
-          </a:xfrm>
-          <a:custGeom>
-            <a:avLst/>
-            <a:gdLst>
-              <a:gd name="connsiteX0" fmla="*/ 6858000 w 6858000"/>
-              <a:gd name="connsiteY0" fmla="*/ 3445704 h 5556552"/>
-              <a:gd name="connsiteX1" fmla="*/ 3829242 w 6858000"/>
-              <a:gd name="connsiteY1" fmla="*/ 5433322 h 5556552"/>
-              <a:gd name="connsiteX2" fmla="*/ 3827369 w 6858000"/>
-              <a:gd name="connsiteY2" fmla="*/ 5434867 h 5556552"/>
-              <a:gd name="connsiteX3" fmla="*/ 3824583 w 6858000"/>
-              <a:gd name="connsiteY3" fmla="*/ 5436378 h 5556552"/>
-              <a:gd name="connsiteX4" fmla="*/ 3798693 w 6858000"/>
-              <a:gd name="connsiteY4" fmla="*/ 5453370 h 5556552"/>
-              <a:gd name="connsiteX5" fmla="*/ 3785011 w 6858000"/>
-              <a:gd name="connsiteY5" fmla="*/ 5457858 h 5556552"/>
-              <a:gd name="connsiteX6" fmla="*/ 3706339 w 6858000"/>
-              <a:gd name="connsiteY6" fmla="*/ 5500559 h 5556552"/>
-              <a:gd name="connsiteX7" fmla="*/ 3428998 w 6858000"/>
-              <a:gd name="connsiteY7" fmla="*/ 5556552 h 5556552"/>
-              <a:gd name="connsiteX8" fmla="*/ 3151658 w 6858000"/>
-              <a:gd name="connsiteY8" fmla="*/ 5500559 h 5556552"/>
-              <a:gd name="connsiteX9" fmla="*/ 3072996 w 6858000"/>
-              <a:gd name="connsiteY9" fmla="*/ 5457863 h 5556552"/>
-              <a:gd name="connsiteX10" fmla="*/ 3059298 w 6858000"/>
-              <a:gd name="connsiteY10" fmla="*/ 5453370 h 5556552"/>
-              <a:gd name="connsiteX11" fmla="*/ 3033383 w 6858000"/>
-              <a:gd name="connsiteY11" fmla="*/ 5436362 h 5556552"/>
-              <a:gd name="connsiteX12" fmla="*/ 3030627 w 6858000"/>
-              <a:gd name="connsiteY12" fmla="*/ 5434867 h 5556552"/>
-              <a:gd name="connsiteX13" fmla="*/ 3028775 w 6858000"/>
-              <a:gd name="connsiteY13" fmla="*/ 5433338 h 5556552"/>
-              <a:gd name="connsiteX14" fmla="*/ 0 w 6858000"/>
-              <a:gd name="connsiteY14" fmla="*/ 3445704 h 5556552"/>
-              <a:gd name="connsiteX15" fmla="*/ 6858000 w 6858000"/>
-              <a:gd name="connsiteY15" fmla="*/ 0 h 5556552"/>
-              <a:gd name="connsiteX16" fmla="*/ 6858000 w 6858000"/>
-              <a:gd name="connsiteY16" fmla="*/ 349336 h 5556552"/>
-              <a:gd name="connsiteX17" fmla="*/ 6858000 w 6858000"/>
-              <a:gd name="connsiteY17" fmla="*/ 3445703 h 5556552"/>
-              <a:gd name="connsiteX18" fmla="*/ 0 w 6858000"/>
-              <a:gd name="connsiteY18" fmla="*/ 3445703 h 5556552"/>
-              <a:gd name="connsiteX19" fmla="*/ 0 w 6858000"/>
-              <a:gd name="connsiteY19" fmla="*/ 0 h 5556552"/>
-            </a:gdLst>
-            <a:ahLst/>
-            <a:cxnLst>
-              <a:cxn ang="0">
-                <a:pos x="connsiteX0" y="connsiteY0"/>
-              </a:cxn>
-              <a:cxn ang="0">
-                <a:pos x="connsiteX1" y="connsiteY1"/>
-              </a:cxn>
-              <a:cxn ang="0">
-                <a:pos x="connsiteX2" y="connsiteY2"/>
-              </a:cxn>
-              <a:cxn ang="0">
-                <a:pos x="connsiteX3" y="connsiteY3"/>
-              </a:cxn>
-              <a:cxn ang="0">
-                <a:pos x="connsiteX4" y="connsiteY4"/>
-              </a:cxn>
-              <a:cxn ang="0">
-                <a:pos x="connsiteX5" y="connsiteY5"/>
-              </a:cxn>
-              <a:cxn ang="0">
-                <a:pos x="connsiteX6" y="connsiteY6"/>
-              </a:cxn>
-              <a:cxn ang="0">
-                <a:pos x="connsiteX7" y="connsiteY7"/>
-              </a:cxn>
-              <a:cxn ang="0">
-                <a:pos x="connsiteX8" y="connsiteY8"/>
-              </a:cxn>
-              <a:cxn ang="0">
-                <a:pos x="connsiteX9" y="connsiteY9"/>
-              </a:cxn>
-              <a:cxn ang="0">
-                <a:pos x="connsiteX10" y="connsiteY10"/>
-              </a:cxn>
-              <a:cxn ang="0">
-                <a:pos x="connsiteX11" y="connsiteY11"/>
-              </a:cxn>
-              <a:cxn ang="0">
-                <a:pos x="connsiteX12" y="connsiteY12"/>
-              </a:cxn>
-              <a:cxn ang="0">
-                <a:pos x="connsiteX13" y="connsiteY13"/>
-              </a:cxn>
-              <a:cxn ang="0">
-                <a:pos x="connsiteX14" y="connsiteY14"/>
-              </a:cxn>
-              <a:cxn ang="0">
-                <a:pos x="connsiteX15" y="connsiteY15"/>
-              </a:cxn>
-              <a:cxn ang="0">
-                <a:pos x="connsiteX16" y="connsiteY16"/>
-              </a:cxn>
-              <a:cxn ang="0">
-                <a:pos x="connsiteX17" y="connsiteY17"/>
-              </a:cxn>
-              <a:cxn ang="0">
-                <a:pos x="connsiteX18" y="connsiteY18"/>
-              </a:cxn>
-              <a:cxn ang="0">
-                <a:pos x="connsiteX19" y="connsiteY19"/>
-              </a:cxn>
-            </a:cxnLst>
-            <a:rect l="l" t="t" r="r" b="b"/>
-            <a:pathLst>
-              <a:path w="6858000" h="5556552">
-                <a:moveTo>
-                  <a:pt x="6858000" y="3445704"/>
-                </a:moveTo>
-                <a:lnTo>
-                  <a:pt x="3829242" y="5433322"/>
-                </a:lnTo>
-                <a:lnTo>
-                  <a:pt x="3827369" y="5434867"/>
-                </a:lnTo>
-                <a:lnTo>
-                  <a:pt x="3824583" y="5436378"/>
-                </a:lnTo>
-                <a:lnTo>
-                  <a:pt x="3798693" y="5453370"/>
-                </a:lnTo>
-                <a:lnTo>
-                  <a:pt x="3785011" y="5457858"/>
-                </a:lnTo>
-                <a:lnTo>
-                  <a:pt x="3706339" y="5500559"/>
-                </a:lnTo>
-                <a:cubicBezTo>
-                  <a:pt x="3621096" y="5536614"/>
-                  <a:pt x="3527375" y="5556552"/>
-                  <a:pt x="3428998" y="5556552"/>
-                </a:cubicBezTo>
-                <a:cubicBezTo>
-                  <a:pt x="3330621" y="5556552"/>
-                  <a:pt x="3236901" y="5536614"/>
-                  <a:pt x="3151658" y="5500559"/>
-                </a:cubicBezTo>
-                <a:lnTo>
-                  <a:pt x="3072996" y="5457863"/>
-                </a:lnTo>
-                <a:lnTo>
-                  <a:pt x="3059298" y="5453370"/>
-                </a:lnTo>
-                <a:lnTo>
-                  <a:pt x="3033383" y="5436362"/>
-                </a:lnTo>
-                <a:lnTo>
-                  <a:pt x="3030627" y="5434867"/>
-                </a:lnTo>
-                <a:lnTo>
-                  <a:pt x="3028775" y="5433338"/>
-                </a:lnTo>
-                <a:lnTo>
-                  <a:pt x="0" y="3445704"/>
-                </a:lnTo>
-                <a:close/>
-                <a:moveTo>
-                  <a:pt x="6858000" y="0"/>
-                </a:moveTo>
-                <a:lnTo>
-                  <a:pt x="6858000" y="349336"/>
-                </a:lnTo>
-                <a:lnTo>
-                  <a:pt x="6858000" y="3445703"/>
-                </a:lnTo>
-                <a:lnTo>
-                  <a:pt x="0" y="3445703"/>
-                </a:lnTo>
-                <a:lnTo>
-                  <a:pt x="0" y="0"/>
-                </a:lnTo>
-                <a:close/>
-              </a:path>
-            </a:pathLst>
-          </a:custGeom>
-          <a:ln>
-            <a:noFill/>
-          </a:ln>
-          <a:effectLst/>
-          <a:extLst>
-            <a:ext uri="{91240B29-F687-4f45-9708-019B960494DF}">
-              <a14:hiddenLine xmlns:a16="http://schemas.microsoft.com/office/drawing/2014/main" xmlns:p14="http://schemas.microsoft.com/office/powerpoint/2010/main" xmlns:a14="http://schemas.microsoft.com/office/drawing/2010/main" xmlns="" w="9525">
+              <a14:hiddenLine xmlns="" xmlns:a14="http://schemas.microsoft.com/office/drawing/2010/main" xmlns:p14="http://schemas.microsoft.com/office/powerpoint/2010/main" xmlns:a16="http://schemas.microsoft.com/office/drawing/2014/main" w="9525">
                 <a:solidFill>
                   <a:srgbClr val="000000"/>
                 </a:solidFill>

--- a/Maquettage d'un site vitrine.pptx
+++ b/Maquettage d'un site vitrine.pptx
@@ -16,6 +16,7 @@
     <p:sldId id="260" r:id="rId10"/>
     <p:sldId id="265" r:id="rId11"/>
     <p:sldId id="266" r:id="rId12"/>
+    <p:sldId id="267" r:id="rId13"/>
   </p:sldIdLst>
   <p:sldSz cx="12192000" cy="6858000"/>
   <p:notesSz cx="6858000" cy="9144000"/>
@@ -217,7 +218,7 @@
           <a:effectLst/>
           <a:extLst>
             <a:ext uri="{91240B29-F687-4f45-9708-019B960494DF}">
-              <a14:hiddenLine xmlns:a14="http://schemas.microsoft.com/office/drawing/2010/main" xmlns="" w="9525">
+              <a14:hiddenLine xmlns="" xmlns:a14="http://schemas.microsoft.com/office/drawing/2010/main" w="9525">
                 <a:solidFill>
                   <a:srgbClr val="000000"/>
                 </a:solidFill>
@@ -1727,7 +1728,7 @@
           <a:ln/>
           <a:extLst>
             <a:ext uri="{91240B29-F687-4f45-9708-019B960494DF}">
-              <a14:hiddenLine xmlns:a14="http://schemas.microsoft.com/office/drawing/2010/main" xmlns="" w="9525">
+              <a14:hiddenLine xmlns="" xmlns:a14="http://schemas.microsoft.com/office/drawing/2010/main" w="9525">
                 <a:solidFill>
                   <a:srgbClr val="000000"/>
                 </a:solidFill>
@@ -1999,7 +2000,7 @@
           <a:ln/>
           <a:extLst>
             <a:ext uri="{91240B29-F687-4f45-9708-019B960494DF}">
-              <a14:hiddenLine xmlns:a14="http://schemas.microsoft.com/office/drawing/2010/main" xmlns="" w="9525">
+              <a14:hiddenLine xmlns="" xmlns:a14="http://schemas.microsoft.com/office/drawing/2010/main" w="9525">
                 <a:solidFill>
                   <a:srgbClr val="000000"/>
                 </a:solidFill>
@@ -2279,7 +2280,7 @@
           <a:ln/>
           <a:extLst>
             <a:ext uri="{91240B29-F687-4f45-9708-019B960494DF}">
-              <a14:hiddenLine xmlns:a14="http://schemas.microsoft.com/office/drawing/2010/main" xmlns="" w="9525">
+              <a14:hiddenLine xmlns="" xmlns:a14="http://schemas.microsoft.com/office/drawing/2010/main" w="9525">
                 <a:solidFill>
                   <a:srgbClr val="000000"/>
                 </a:solidFill>
@@ -2899,7 +2900,7 @@
           <a:ln/>
           <a:extLst>
             <a:ext uri="{91240B29-F687-4f45-9708-019B960494DF}">
-              <a14:hiddenLine xmlns:a14="http://schemas.microsoft.com/office/drawing/2010/main" xmlns="" w="9525">
+              <a14:hiddenLine xmlns="" xmlns:a14="http://schemas.microsoft.com/office/drawing/2010/main" w="9525">
                 <a:solidFill>
                   <a:srgbClr val="000000"/>
                 </a:solidFill>
@@ -3235,7 +3236,7 @@
           <a:ln/>
           <a:extLst>
             <a:ext uri="{91240B29-F687-4f45-9708-019B960494DF}">
-              <a14:hiddenLine xmlns:a14="http://schemas.microsoft.com/office/drawing/2010/main" xmlns="" w="9525">
+              <a14:hiddenLine xmlns="" xmlns:a14="http://schemas.microsoft.com/office/drawing/2010/main" w="9525">
                 <a:solidFill>
                   <a:srgbClr val="000000"/>
                 </a:solidFill>
@@ -3709,7 +3710,7 @@
           <a:ln/>
           <a:extLst>
             <a:ext uri="{91240B29-F687-4f45-9708-019B960494DF}">
-              <a14:hiddenLine xmlns:a14="http://schemas.microsoft.com/office/drawing/2010/main" xmlns="" w="9525">
+              <a14:hiddenLine xmlns="" xmlns:a14="http://schemas.microsoft.com/office/drawing/2010/main" w="9525">
                 <a:solidFill>
                   <a:srgbClr val="000000"/>
                 </a:solidFill>
@@ -4132,7 +4133,7 @@
           <a:ln/>
           <a:extLst>
             <a:ext uri="{91240B29-F687-4f45-9708-019B960494DF}">
-              <a14:hiddenLine xmlns:a14="http://schemas.microsoft.com/office/drawing/2010/main" xmlns="" w="9525">
+              <a14:hiddenLine xmlns="" xmlns:a14="http://schemas.microsoft.com/office/drawing/2010/main" w="9525">
                 <a:solidFill>
                   <a:srgbClr val="000000"/>
                 </a:solidFill>
@@ -5756,7 +5757,7 @@
           <a:effectLst/>
           <a:extLst>
             <a:ext uri="{91240B29-F687-4f45-9708-019B960494DF}">
-              <a14:hiddenLine xmlns="" xmlns:a14="http://schemas.microsoft.com/office/drawing/2010/main" xmlns:p14="http://schemas.microsoft.com/office/powerpoint/2010/main" xmlns:a16="http://schemas.microsoft.com/office/drawing/2014/main" w="9525">
+              <a14:hiddenLine xmlns:a16="http://schemas.microsoft.com/office/drawing/2014/main" xmlns:p14="http://schemas.microsoft.com/office/powerpoint/2010/main" xmlns:a14="http://schemas.microsoft.com/office/drawing/2010/main" xmlns="" w="9525">
                 <a:solidFill>
                   <a:srgbClr val="000000"/>
                 </a:solidFill>
@@ -6206,7 +6207,7 @@
 </p:sld>
 </file>
 
-<file path=ppt/slides/slide2.xml><?xml version="1.0" encoding="utf-8"?>
+<file path=ppt/slides/slide12.xml><?xml version="1.0" encoding="utf-8"?>
 <p:sld xmlns:a="http://schemas.openxmlformats.org/drawingml/2006/main" xmlns:r="http://schemas.openxmlformats.org/officeDocument/2006/relationships" xmlns:p="http://schemas.openxmlformats.org/presentationml/2006/main">
   <p:cSld>
     <p:bg>
@@ -6504,7 +6505,432 @@
           <a:effectLst/>
           <a:extLst>
             <a:ext uri="{91240B29-F687-4f45-9708-019B960494DF}">
-              <a14:hiddenLine xmlns="" xmlns:a14="http://schemas.microsoft.com/office/drawing/2010/main" xmlns:p14="http://schemas.microsoft.com/office/powerpoint/2010/main" xmlns:a16="http://schemas.microsoft.com/office/drawing/2014/main" w="9525">
+              <a14:hiddenLine xmlns:a16="http://schemas.microsoft.com/office/drawing/2014/main" xmlns:p14="http://schemas.microsoft.com/office/powerpoint/2010/main" xmlns:a14="http://schemas.microsoft.com/office/drawing/2010/main" xmlns="" w="9525">
+                <a:solidFill>
+                  <a:srgbClr val="000000"/>
+                </a:solidFill>
+                <a:round/>
+                <a:headEnd/>
+                <a:tailEnd/>
+              </a14:hiddenLine>
+            </a:ext>
+          </a:extLst>
+        </p:spPr>
+        <p:style>
+          <a:lnRef idx="1">
+            <a:schemeClr val="accent1"/>
+          </a:lnRef>
+          <a:fillRef idx="3">
+            <a:schemeClr val="accent1"/>
+          </a:fillRef>
+          <a:effectRef idx="2">
+            <a:schemeClr val="accent1"/>
+          </a:effectRef>
+          <a:fontRef idx="minor">
+            <a:schemeClr val="lt1"/>
+          </a:fontRef>
+        </p:style>
+      </p:sp>
+      <p:sp>
+        <p:nvSpPr>
+          <p:cNvPr id="3" name="Espace réservé du contenu 2">
+            <a:extLst>
+              <a:ext uri="{FF2B5EF4-FFF2-40B4-BE49-F238E27FC236}">
+                <a16:creationId xmlns:a16="http://schemas.microsoft.com/office/drawing/2014/main" id="{070E90AD-5A01-4E25-8709-314B95E1A478}"/>
+              </a:ext>
+            </a:extLst>
+          </p:cNvPr>
+          <p:cNvSpPr>
+            <a:spLocks noGrp="1"/>
+          </p:cNvSpPr>
+          <p:nvPr>
+            <p:ph idx="1"/>
+          </p:nvPr>
+        </p:nvSpPr>
+        <p:spPr>
+          <a:xfrm>
+            <a:off x="5401092" y="527364"/>
+            <a:ext cx="6707781" cy="5803265"/>
+          </a:xfrm>
+          <a:effectLst/>
+        </p:spPr>
+        <p:txBody>
+          <a:bodyPr>
+            <a:normAutofit/>
+          </a:bodyPr>
+          <a:lstStyle/>
+          <a:p>
+            <a:pPr fontAlgn="base">
+              <a:lnSpc>
+                <a:spcPct val="150000"/>
+              </a:lnSpc>
+            </a:pPr>
+            <a:r>
+              <a:rPr lang="fr-FR" sz="1600" dirty="0"/>
+              <a:t>L’erreur classique faite par de nombreuses personnes consiste à se jeter en priorité sur la conception graphique et le design d’un site Internet, sans attacher suffisamment d’importance à son ergonomie. Cette erreur a souvent un coût : en temps, en énergie et bien sûr en argent, un beau design devant généralement être refait s’il ne permet pas de bien présenter tout le contenu.</a:t>
+            </a:r>
+          </a:p>
+          <a:p>
+            <a:pPr fontAlgn="base">
+              <a:lnSpc>
+                <a:spcPct val="150000"/>
+              </a:lnSpc>
+            </a:pPr>
+            <a:r>
+              <a:rPr lang="fr-FR" sz="1600" dirty="0"/>
+              <a:t>Les étapes de zoning, de wireframe sont indispensables dans le processus de la réalisation d’un site Internet, et il faut donc y porter une attention particulière. Plus le projet est grand, plus ces outils prennent une place importante, dans la mesure où ils facilitent la conception des projets.</a:t>
+            </a:r>
+            <a:endParaRPr lang="fr-FR" dirty="0"/>
+          </a:p>
+        </p:txBody>
+      </p:sp>
+      <p:sp>
+        <p:nvSpPr>
+          <p:cNvPr id="4" name="Rectangle 3">
+            <a:extLst>
+              <a:ext uri="{FF2B5EF4-FFF2-40B4-BE49-F238E27FC236}">
+                <a16:creationId xmlns:a16="http://schemas.microsoft.com/office/drawing/2014/main" id="{044D8EC0-52AF-4C3A-912E-A50EC9240D9D}"/>
+              </a:ext>
+            </a:extLst>
+          </p:cNvPr>
+          <p:cNvSpPr/>
+          <p:nvPr/>
+        </p:nvSpPr>
+        <p:spPr>
+          <a:xfrm>
+            <a:off x="533499" y="2967331"/>
+            <a:ext cx="3940502" cy="923330"/>
+          </a:xfrm>
+          <a:prstGeom prst="rect">
+            <a:avLst/>
+          </a:prstGeom>
+        </p:spPr>
+        <p:txBody>
+          <a:bodyPr wrap="none">
+            <a:spAutoFit/>
+          </a:bodyPr>
+          <a:lstStyle/>
+          <a:p>
+            <a:pPr fontAlgn="base"/>
+            <a:r>
+              <a:rPr lang="fr-MA" sz="5400" b="1" dirty="0"/>
+              <a:t>Conclusion</a:t>
+            </a:r>
+          </a:p>
+        </p:txBody>
+      </p:sp>
+    </p:spTree>
+    <p:extLst>
+      <p:ext uri="{BB962C8B-B14F-4D97-AF65-F5344CB8AC3E}">
+        <p14:creationId xmlns:p14="http://schemas.microsoft.com/office/powerpoint/2010/main" val="3727292445"/>
+      </p:ext>
+    </p:extLst>
+  </p:cSld>
+  <p:clrMapOvr>
+    <a:masterClrMapping/>
+  </p:clrMapOvr>
+</p:sld>
+</file>
+
+<file path=ppt/slides/slide2.xml><?xml version="1.0" encoding="utf-8"?>
+<p:sld xmlns:a="http://schemas.openxmlformats.org/drawingml/2006/main" xmlns:r="http://schemas.openxmlformats.org/officeDocument/2006/relationships" xmlns:p="http://schemas.openxmlformats.org/presentationml/2006/main">
+  <p:cSld>
+    <p:bg>
+      <p:bgPr>
+        <a:solidFill>
+          <a:schemeClr val="bg2"/>
+        </a:solidFill>
+        <a:effectLst/>
+      </p:bgPr>
+    </p:bg>
+    <p:spTree>
+      <p:nvGrpSpPr>
+        <p:cNvPr id="1" name=""/>
+        <p:cNvGrpSpPr/>
+        <p:nvPr/>
+      </p:nvGrpSpPr>
+      <p:grpSpPr>
+        <a:xfrm>
+          <a:off x="0" y="0"/>
+          <a:ext cx="0" cy="0"/>
+          <a:chOff x="0" y="0"/>
+          <a:chExt cx="0" cy="0"/>
+        </a:xfrm>
+      </p:grpSpPr>
+      <p:sp useBgFill="1">
+        <p:nvSpPr>
+          <p:cNvPr id="8" name="Rectangle 7">
+            <a:extLst>
+              <a:ext uri="{FF2B5EF4-FFF2-40B4-BE49-F238E27FC236}">
+                <a16:creationId xmlns:a16="http://schemas.microsoft.com/office/drawing/2014/main" id="{089A69AF-D57B-49B4-886C-D4A5DC194421}"/>
+              </a:ext>
+              <a:ext uri="{C183D7F6-B498-43B3-948B-1728B52AA6E4}">
+                <adec:decorative xmlns:adec="http://schemas.microsoft.com/office/drawing/2017/decorative" val="1"/>
+              </a:ext>
+            </a:extLst>
+          </p:cNvPr>
+          <p:cNvSpPr>
+            <a:spLocks noGrp="1" noRot="1" noChangeAspect="1" noMove="1" noResize="1" noEditPoints="1" noAdjustHandles="1" noChangeArrowheads="1" noChangeShapeType="1" noTextEdit="1"/>
+          </p:cNvSpPr>
+          <p:nvPr>
+            <p:extLst>
+              <p:ext uri="{386F3935-93C4-4BCD-93E2-E3B085C9AB24}">
+                <p16:designElem xmlns:p16="http://schemas.microsoft.com/office/powerpoint/2015/main" val="1"/>
+              </p:ext>
+            </p:extLst>
+          </p:nvPr>
+        </p:nvSpPr>
+        <p:spPr>
+          <a:xfrm>
+            <a:off x="0" y="0"/>
+            <a:ext cx="12192000" cy="6858000"/>
+          </a:xfrm>
+          <a:prstGeom prst="rect">
+            <a:avLst/>
+          </a:prstGeom>
+          <a:ln>
+            <a:noFill/>
+          </a:ln>
+        </p:spPr>
+        <p:style>
+          <a:lnRef idx="2">
+            <a:schemeClr val="accent1">
+              <a:shade val="50000"/>
+            </a:schemeClr>
+          </a:lnRef>
+          <a:fillRef idx="1">
+            <a:schemeClr val="accent1"/>
+          </a:fillRef>
+          <a:effectRef idx="0">
+            <a:schemeClr val="accent1"/>
+          </a:effectRef>
+          <a:fontRef idx="minor">
+            <a:schemeClr val="lt1"/>
+          </a:fontRef>
+        </p:style>
+        <p:txBody>
+          <a:bodyPr rtlCol="0" anchor="ctr"/>
+          <a:lstStyle/>
+          <a:p>
+            <a:pPr algn="ctr"/>
+            <a:endParaRPr lang="en-US"/>
+          </a:p>
+        </p:txBody>
+      </p:sp>
+      <p:sp>
+        <p:nvSpPr>
+          <p:cNvPr id="10" name="Freeform: Shape 9">
+            <a:extLst>
+              <a:ext uri="{FF2B5EF4-FFF2-40B4-BE49-F238E27FC236}">
+                <a16:creationId xmlns:a16="http://schemas.microsoft.com/office/drawing/2014/main" id="{CABDC08D-6093-4397-92D4-54D00E2BB1C2}"/>
+              </a:ext>
+              <a:ext uri="{C183D7F6-B498-43B3-948B-1728B52AA6E4}">
+                <adec:decorative xmlns:adec="http://schemas.microsoft.com/office/drawing/2017/decorative" val="1"/>
+              </a:ext>
+            </a:extLst>
+          </p:cNvPr>
+          <p:cNvSpPr>
+            <a:spLocks noGrp="1" noRot="1" noChangeAspect="1" noMove="1" noResize="1" noEditPoints="1" noAdjustHandles="1" noChangeArrowheads="1" noChangeShapeType="1" noTextEdit="1"/>
+          </p:cNvSpPr>
+          <p:nvPr>
+            <p:extLst>
+              <p:ext uri="{386F3935-93C4-4BCD-93E2-E3B085C9AB24}">
+                <p16:designElem xmlns:p16="http://schemas.microsoft.com/office/powerpoint/2015/main" val="1"/>
+              </p:ext>
+            </p:extLst>
+          </p:nvPr>
+        </p:nvSpPr>
+        <p:spPr bwMode="auto">
+          <a:xfrm rot="16200000">
+            <a:off x="-650724" y="650724"/>
+            <a:ext cx="6858000" cy="5556552"/>
+          </a:xfrm>
+          <a:custGeom>
+            <a:avLst/>
+            <a:gdLst>
+              <a:gd name="connsiteX0" fmla="*/ 6858000 w 6858000"/>
+              <a:gd name="connsiteY0" fmla="*/ 3445704 h 5556552"/>
+              <a:gd name="connsiteX1" fmla="*/ 3829242 w 6858000"/>
+              <a:gd name="connsiteY1" fmla="*/ 5433322 h 5556552"/>
+              <a:gd name="connsiteX2" fmla="*/ 3827369 w 6858000"/>
+              <a:gd name="connsiteY2" fmla="*/ 5434867 h 5556552"/>
+              <a:gd name="connsiteX3" fmla="*/ 3824583 w 6858000"/>
+              <a:gd name="connsiteY3" fmla="*/ 5436378 h 5556552"/>
+              <a:gd name="connsiteX4" fmla="*/ 3798693 w 6858000"/>
+              <a:gd name="connsiteY4" fmla="*/ 5453370 h 5556552"/>
+              <a:gd name="connsiteX5" fmla="*/ 3785011 w 6858000"/>
+              <a:gd name="connsiteY5" fmla="*/ 5457858 h 5556552"/>
+              <a:gd name="connsiteX6" fmla="*/ 3706339 w 6858000"/>
+              <a:gd name="connsiteY6" fmla="*/ 5500559 h 5556552"/>
+              <a:gd name="connsiteX7" fmla="*/ 3428998 w 6858000"/>
+              <a:gd name="connsiteY7" fmla="*/ 5556552 h 5556552"/>
+              <a:gd name="connsiteX8" fmla="*/ 3151658 w 6858000"/>
+              <a:gd name="connsiteY8" fmla="*/ 5500559 h 5556552"/>
+              <a:gd name="connsiteX9" fmla="*/ 3072996 w 6858000"/>
+              <a:gd name="connsiteY9" fmla="*/ 5457863 h 5556552"/>
+              <a:gd name="connsiteX10" fmla="*/ 3059298 w 6858000"/>
+              <a:gd name="connsiteY10" fmla="*/ 5453370 h 5556552"/>
+              <a:gd name="connsiteX11" fmla="*/ 3033383 w 6858000"/>
+              <a:gd name="connsiteY11" fmla="*/ 5436362 h 5556552"/>
+              <a:gd name="connsiteX12" fmla="*/ 3030627 w 6858000"/>
+              <a:gd name="connsiteY12" fmla="*/ 5434867 h 5556552"/>
+              <a:gd name="connsiteX13" fmla="*/ 3028775 w 6858000"/>
+              <a:gd name="connsiteY13" fmla="*/ 5433338 h 5556552"/>
+              <a:gd name="connsiteX14" fmla="*/ 0 w 6858000"/>
+              <a:gd name="connsiteY14" fmla="*/ 3445704 h 5556552"/>
+              <a:gd name="connsiteX15" fmla="*/ 6858000 w 6858000"/>
+              <a:gd name="connsiteY15" fmla="*/ 0 h 5556552"/>
+              <a:gd name="connsiteX16" fmla="*/ 6858000 w 6858000"/>
+              <a:gd name="connsiteY16" fmla="*/ 349336 h 5556552"/>
+              <a:gd name="connsiteX17" fmla="*/ 6858000 w 6858000"/>
+              <a:gd name="connsiteY17" fmla="*/ 3445703 h 5556552"/>
+              <a:gd name="connsiteX18" fmla="*/ 0 w 6858000"/>
+              <a:gd name="connsiteY18" fmla="*/ 3445703 h 5556552"/>
+              <a:gd name="connsiteX19" fmla="*/ 0 w 6858000"/>
+              <a:gd name="connsiteY19" fmla="*/ 0 h 5556552"/>
+            </a:gdLst>
+            <a:ahLst/>
+            <a:cxnLst>
+              <a:cxn ang="0">
+                <a:pos x="connsiteX0" y="connsiteY0"/>
+              </a:cxn>
+              <a:cxn ang="0">
+                <a:pos x="connsiteX1" y="connsiteY1"/>
+              </a:cxn>
+              <a:cxn ang="0">
+                <a:pos x="connsiteX2" y="connsiteY2"/>
+              </a:cxn>
+              <a:cxn ang="0">
+                <a:pos x="connsiteX3" y="connsiteY3"/>
+              </a:cxn>
+              <a:cxn ang="0">
+                <a:pos x="connsiteX4" y="connsiteY4"/>
+              </a:cxn>
+              <a:cxn ang="0">
+                <a:pos x="connsiteX5" y="connsiteY5"/>
+              </a:cxn>
+              <a:cxn ang="0">
+                <a:pos x="connsiteX6" y="connsiteY6"/>
+              </a:cxn>
+              <a:cxn ang="0">
+                <a:pos x="connsiteX7" y="connsiteY7"/>
+              </a:cxn>
+              <a:cxn ang="0">
+                <a:pos x="connsiteX8" y="connsiteY8"/>
+              </a:cxn>
+              <a:cxn ang="0">
+                <a:pos x="connsiteX9" y="connsiteY9"/>
+              </a:cxn>
+              <a:cxn ang="0">
+                <a:pos x="connsiteX10" y="connsiteY10"/>
+              </a:cxn>
+              <a:cxn ang="0">
+                <a:pos x="connsiteX11" y="connsiteY11"/>
+              </a:cxn>
+              <a:cxn ang="0">
+                <a:pos x="connsiteX12" y="connsiteY12"/>
+              </a:cxn>
+              <a:cxn ang="0">
+                <a:pos x="connsiteX13" y="connsiteY13"/>
+              </a:cxn>
+              <a:cxn ang="0">
+                <a:pos x="connsiteX14" y="connsiteY14"/>
+              </a:cxn>
+              <a:cxn ang="0">
+                <a:pos x="connsiteX15" y="connsiteY15"/>
+              </a:cxn>
+              <a:cxn ang="0">
+                <a:pos x="connsiteX16" y="connsiteY16"/>
+              </a:cxn>
+              <a:cxn ang="0">
+                <a:pos x="connsiteX17" y="connsiteY17"/>
+              </a:cxn>
+              <a:cxn ang="0">
+                <a:pos x="connsiteX18" y="connsiteY18"/>
+              </a:cxn>
+              <a:cxn ang="0">
+                <a:pos x="connsiteX19" y="connsiteY19"/>
+              </a:cxn>
+            </a:cxnLst>
+            <a:rect l="l" t="t" r="r" b="b"/>
+            <a:pathLst>
+              <a:path w="6858000" h="5556552">
+                <a:moveTo>
+                  <a:pt x="6858000" y="3445704"/>
+                </a:moveTo>
+                <a:lnTo>
+                  <a:pt x="3829242" y="5433322"/>
+                </a:lnTo>
+                <a:lnTo>
+                  <a:pt x="3827369" y="5434867"/>
+                </a:lnTo>
+                <a:lnTo>
+                  <a:pt x="3824583" y="5436378"/>
+                </a:lnTo>
+                <a:lnTo>
+                  <a:pt x="3798693" y="5453370"/>
+                </a:lnTo>
+                <a:lnTo>
+                  <a:pt x="3785011" y="5457858"/>
+                </a:lnTo>
+                <a:lnTo>
+                  <a:pt x="3706339" y="5500559"/>
+                </a:lnTo>
+                <a:cubicBezTo>
+                  <a:pt x="3621096" y="5536614"/>
+                  <a:pt x="3527375" y="5556552"/>
+                  <a:pt x="3428998" y="5556552"/>
+                </a:cubicBezTo>
+                <a:cubicBezTo>
+                  <a:pt x="3330621" y="5556552"/>
+                  <a:pt x="3236901" y="5536614"/>
+                  <a:pt x="3151658" y="5500559"/>
+                </a:cubicBezTo>
+                <a:lnTo>
+                  <a:pt x="3072996" y="5457863"/>
+                </a:lnTo>
+                <a:lnTo>
+                  <a:pt x="3059298" y="5453370"/>
+                </a:lnTo>
+                <a:lnTo>
+                  <a:pt x="3033383" y="5436362"/>
+                </a:lnTo>
+                <a:lnTo>
+                  <a:pt x="3030627" y="5434867"/>
+                </a:lnTo>
+                <a:lnTo>
+                  <a:pt x="3028775" y="5433338"/>
+                </a:lnTo>
+                <a:lnTo>
+                  <a:pt x="0" y="3445704"/>
+                </a:lnTo>
+                <a:close/>
+                <a:moveTo>
+                  <a:pt x="6858000" y="0"/>
+                </a:moveTo>
+                <a:lnTo>
+                  <a:pt x="6858000" y="349336"/>
+                </a:lnTo>
+                <a:lnTo>
+                  <a:pt x="6858000" y="3445703"/>
+                </a:lnTo>
+                <a:lnTo>
+                  <a:pt x="0" y="3445703"/>
+                </a:lnTo>
+                <a:lnTo>
+                  <a:pt x="0" y="0"/>
+                </a:lnTo>
+                <a:close/>
+              </a:path>
+            </a:pathLst>
+          </a:custGeom>
+          <a:ln>
+            <a:noFill/>
+          </a:ln>
+          <a:effectLst/>
+          <a:extLst>
+            <a:ext uri="{91240B29-F687-4f45-9708-019B960494DF}">
+              <a14:hiddenLine xmlns:a16="http://schemas.microsoft.com/office/drawing/2014/main" xmlns:p14="http://schemas.microsoft.com/office/powerpoint/2010/main" xmlns:a14="http://schemas.microsoft.com/office/drawing/2010/main" xmlns="" w="9525">
                 <a:solidFill>
                   <a:srgbClr val="000000"/>
                 </a:solidFill>
@@ -7463,7 +7889,7 @@
           <a:effectLst/>
           <a:extLst>
             <a:ext uri="{91240B29-F687-4f45-9708-019B960494DF}">
-              <a14:hiddenLine xmlns="" xmlns:a14="http://schemas.microsoft.com/office/drawing/2010/main" xmlns:p14="http://schemas.microsoft.com/office/powerpoint/2010/main" xmlns:a16="http://schemas.microsoft.com/office/drawing/2014/main" w="9525">
+              <a14:hiddenLine xmlns:a16="http://schemas.microsoft.com/office/drawing/2014/main" xmlns:p14="http://schemas.microsoft.com/office/powerpoint/2010/main" xmlns:a14="http://schemas.microsoft.com/office/drawing/2010/main" xmlns="" w="9525">
                 <a:solidFill>
                   <a:srgbClr val="000000"/>
                 </a:solidFill>
@@ -8522,7 +8948,7 @@
           <a:effectLst/>
           <a:extLst>
             <a:ext uri="{91240B29-F687-4f45-9708-019B960494DF}">
-              <a14:hiddenLine xmlns="" xmlns:a14="http://schemas.microsoft.com/office/drawing/2010/main" xmlns:p14="http://schemas.microsoft.com/office/powerpoint/2010/main" xmlns:a16="http://schemas.microsoft.com/office/drawing/2014/main" w="9525">
+              <a14:hiddenLine xmlns:a16="http://schemas.microsoft.com/office/drawing/2014/main" xmlns:p14="http://schemas.microsoft.com/office/powerpoint/2010/main" xmlns:a14="http://schemas.microsoft.com/office/drawing/2010/main" xmlns="" w="9525">
                 <a:solidFill>
                   <a:srgbClr val="000000"/>
                 </a:solidFill>
@@ -9207,7 +9633,7 @@
           <a:effectLst/>
           <a:extLst>
             <a:ext uri="{91240B29-F687-4f45-9708-019B960494DF}">
-              <a14:hiddenLine xmlns="" xmlns:a14="http://schemas.microsoft.com/office/drawing/2010/main" xmlns:p14="http://schemas.microsoft.com/office/powerpoint/2010/main" xmlns:a16="http://schemas.microsoft.com/office/drawing/2014/main" w="9525">
+              <a14:hiddenLine xmlns:a16="http://schemas.microsoft.com/office/drawing/2014/main" xmlns:p14="http://schemas.microsoft.com/office/powerpoint/2010/main" xmlns:a14="http://schemas.microsoft.com/office/drawing/2010/main" xmlns="" w="9525">
                 <a:solidFill>
                   <a:srgbClr val="000000"/>
                 </a:solidFill>
